--- a/presentation/render/career_cheyo.pptx
+++ b/presentation/render/career_cheyo.pptx
@@ -4,6 +4,9 @@
   <p:sldMasterIdLst>
     <p:sldMasterId id="2147483648" r:id="rId1"/>
   </p:sldMasterIdLst>
+  <p:notesMasterIdLst>
+    <p:NotesMasterId r:id="rId8"/>
+  </p:notesMasterIdLst>
   <p:sldIdLst>
     <p:sldId id="256" r:id="rId2"/>
     <p:sldId id="257" r:id="rId3"/>
@@ -11,7 +14,6 @@
     <p:sldId id="259" r:id="rId5"/>
     <p:sldId id="260" r:id="rId6"/>
     <p:sldId id="261" r:id="rId7"/>
-    <p:sldId id="262" r:id="rId8"/>
   </p:sldIdLst>
   <p:sldSz cx="12192000" cy="6858000"/>
   <p:notesSz cx="6858000" cy="9144000"/>
@@ -129,6 +131,749 @@
 </p:presentation>
 </file>
 
+<file path=ppt/notesMasters/notesMaster1.xml><?xml version="1.0" encoding="utf-8"?>
+<p:notesMaster xmlns:a="http://schemas.openxmlformats.org/drawingml/2006/main" xmlns:r="http://schemas.openxmlformats.org/officeDocument/2006/relationships" xmlns:p="http://schemas.openxmlformats.org/presentationml/2006/main">
+  <p:cSld>
+    <p:bg>
+      <p:bgRef idx="1001">
+        <a:schemeClr val="bg1"/>
+      </p:bgRef>
+    </p:bg>
+    <p:spTree>
+      <p:nvGrpSpPr>
+        <p:cNvPr id="1" name=""/>
+        <p:cNvGrpSpPr/>
+        <p:nvPr/>
+      </p:nvGrpSpPr>
+      <p:grpSpPr>
+        <a:xfrm>
+          <a:off x="0" y="0"/>
+          <a:ext cx="0" cy="0"/>
+          <a:chOff x="0" y="0"/>
+          <a:chExt cx="0" cy="0"/>
+        </a:xfrm>
+      </p:grpSpPr>
+      <p:sp>
+        <p:nvSpPr>
+          <p:cNvPr id="2" name="Header Placeholder 1"/>
+          <p:cNvSpPr>
+            <a:spLocks noGrp="1"/>
+          </p:cNvSpPr>
+          <p:nvPr>
+            <p:ph type="hdr" sz="quarter"/>
+          </p:nvPr>
+        </p:nvSpPr>
+        <p:spPr>
+          <a:xfrm>
+            <a:off x="0" y="0"/>
+            <a:ext cx="2971800" cy="458788"/>
+          </a:xfrm>
+          <a:prstGeom prst="rect">
+            <a:avLst/>
+          </a:prstGeom>
+        </p:spPr>
+        <p:txBody>
+          <a:bodyPr vert="horz" lIns="91440" tIns="45720" rIns="91440" bIns="45720" rtlCol="0"/>
+          <a:lstStyle>
+            <a:lvl1pPr algn="l">
+              <a:defRPr sz="1200"/>
+            </a:lvl1pPr>
+          </a:lstStyle>
+          <a:p>
+            <a:endParaRPr lang="en-US"/>
+          </a:p>
+        </p:txBody>
+      </p:sp>
+      <p:sp>
+        <p:nvSpPr>
+          <p:cNvPr id="3" name="Date Placeholder 2"/>
+          <p:cNvSpPr>
+            <a:spLocks noGrp="1"/>
+          </p:cNvSpPr>
+          <p:nvPr>
+            <p:ph type="dt" idx="1"/>
+          </p:nvPr>
+        </p:nvSpPr>
+        <p:spPr>
+          <a:xfrm>
+            <a:off x="3884613" y="0"/>
+            <a:ext cx="2971800" cy="458788"/>
+          </a:xfrm>
+          <a:prstGeom prst="rect">
+            <a:avLst/>
+          </a:prstGeom>
+        </p:spPr>
+        <p:txBody>
+          <a:bodyPr vert="horz" lIns="91440" tIns="45720" rIns="91440" bIns="45720" rtlCol="0"/>
+          <a:lstStyle>
+            <a:lvl1pPr algn="r">
+              <a:defRPr sz="1200"/>
+            </a:lvl1pPr>
+          </a:lstStyle>
+          <a:p>
+            <a:fld id="{0F9C1CCF-B725-44A7-AA57-5E433BD85C9F}" type="datetimeFigureOut">
+              <a:rPr lang="en-US" smtClean="0"/>
+              <a:t>2021-11-07</a:t>
+            </a:fld>
+            <a:endParaRPr lang="en-US"/>
+          </a:p>
+        </p:txBody>
+      </p:sp>
+      <p:sp>
+        <p:nvSpPr>
+          <p:cNvPr id="4" name="Slide Image Placeholder 3"/>
+          <p:cNvSpPr>
+            <a:spLocks noGrp="1" noRot="1" noChangeAspect="1"/>
+          </p:cNvSpPr>
+          <p:nvPr>
+            <p:ph type="sldImg" idx="2"/>
+          </p:nvPr>
+        </p:nvSpPr>
+        <p:spPr>
+          <a:xfrm>
+            <a:off x="685800" y="1143000"/>
+            <a:ext cx="5486400" cy="3086100"/>
+          </a:xfrm>
+          <a:prstGeom prst="rect">
+            <a:avLst/>
+          </a:prstGeom>
+          <a:noFill/>
+          <a:ln w="12700">
+            <a:solidFill>
+              <a:prstClr val="black"/>
+            </a:solidFill>
+          </a:ln>
+        </p:spPr>
+        <p:txBody>
+          <a:bodyPr vert="horz" lIns="91440" tIns="45720" rIns="91440" bIns="45720" rtlCol="0" anchor="ctr"/>
+          <a:lstStyle/>
+          <a:p>
+            <a:endParaRPr lang="en-US"/>
+          </a:p>
+        </p:txBody>
+      </p:sp>
+      <p:sp>
+        <p:nvSpPr>
+          <p:cNvPr id="5" name="Notes Placeholder 4"/>
+          <p:cNvSpPr>
+            <a:spLocks noGrp="1"/>
+          </p:cNvSpPr>
+          <p:nvPr>
+            <p:ph type="body" sz="quarter" idx="3"/>
+          </p:nvPr>
+        </p:nvSpPr>
+        <p:spPr>
+          <a:xfrm>
+            <a:off x="685800" y="4400550"/>
+            <a:ext cx="5486400" cy="3600450"/>
+          </a:xfrm>
+          <a:prstGeom prst="rect">
+            <a:avLst/>
+          </a:prstGeom>
+        </p:spPr>
+        <p:txBody>
+          <a:bodyPr vert="horz" lIns="91440" tIns="45720" rIns="91440" bIns="45720" rtlCol="0"/>
+          <a:lstStyle/>
+          <a:p>
+            <a:pPr lvl="0"/>
+            <a:r>
+              <a:rPr lang="en-US"/>
+              <a:t>Click to edit Master text styles</a:t>
+            </a:r>
+          </a:p>
+          <a:p>
+            <a:pPr lvl="1"/>
+            <a:r>
+              <a:rPr lang="en-US"/>
+              <a:t>Second level</a:t>
+            </a:r>
+          </a:p>
+          <a:p>
+            <a:pPr lvl="2"/>
+            <a:r>
+              <a:rPr lang="en-US"/>
+              <a:t>Third level</a:t>
+            </a:r>
+          </a:p>
+          <a:p>
+            <a:pPr lvl="3"/>
+            <a:r>
+              <a:rPr lang="en-US"/>
+              <a:t>Fourth level</a:t>
+            </a:r>
+          </a:p>
+          <a:p>
+            <a:pPr lvl="4"/>
+            <a:r>
+              <a:rPr lang="en-US"/>
+              <a:t>Fifth level</a:t>
+            </a:r>
+          </a:p>
+        </p:txBody>
+      </p:sp>
+      <p:sp>
+        <p:nvSpPr>
+          <p:cNvPr id="6" name="Footer Placeholder 5"/>
+          <p:cNvSpPr>
+            <a:spLocks noGrp="1"/>
+          </p:cNvSpPr>
+          <p:nvPr>
+            <p:ph type="ftr" sz="quarter" idx="4"/>
+          </p:nvPr>
+        </p:nvSpPr>
+        <p:spPr>
+          <a:xfrm>
+            <a:off x="0" y="8685213"/>
+            <a:ext cx="2971800" cy="458787"/>
+          </a:xfrm>
+          <a:prstGeom prst="rect">
+            <a:avLst/>
+          </a:prstGeom>
+        </p:spPr>
+        <p:txBody>
+          <a:bodyPr vert="horz" lIns="91440" tIns="45720" rIns="91440" bIns="45720" rtlCol="0" anchor="b"/>
+          <a:lstStyle>
+            <a:lvl1pPr algn="l">
+              <a:defRPr sz="1200"/>
+            </a:lvl1pPr>
+          </a:lstStyle>
+          <a:p>
+            <a:endParaRPr lang="en-US"/>
+          </a:p>
+        </p:txBody>
+      </p:sp>
+      <p:sp>
+        <p:nvSpPr>
+          <p:cNvPr id="7" name="Slide Number Placeholder 6"/>
+          <p:cNvSpPr>
+            <a:spLocks noGrp="1"/>
+          </p:cNvSpPr>
+          <p:nvPr>
+            <p:ph type="sldNum" sz="quarter" idx="5"/>
+          </p:nvPr>
+        </p:nvSpPr>
+        <p:spPr>
+          <a:xfrm>
+            <a:off x="3884613" y="8685213"/>
+            <a:ext cx="2971800" cy="458787"/>
+          </a:xfrm>
+          <a:prstGeom prst="rect">
+            <a:avLst/>
+          </a:prstGeom>
+        </p:spPr>
+        <p:txBody>
+          <a:bodyPr vert="horz" lIns="91440" tIns="45720" rIns="91440" bIns="45720" rtlCol="0" anchor="b"/>
+          <a:lstStyle>
+            <a:lvl1pPr algn="r">
+              <a:defRPr sz="1200"/>
+            </a:lvl1pPr>
+          </a:lstStyle>
+          <a:p>
+            <a:fld id="{18BDFEC3-8487-43E8-A154-7C12CBC1FFF2}" type="slidenum">
+              <a:rPr lang="en-US" smtClean="0"/>
+              <a:t>‹#›</a:t>
+            </a:fld>
+            <a:endParaRPr lang="en-US"/>
+          </a:p>
+        </p:txBody>
+      </p:sp>
+    </p:spTree>
+    <p:extLst>
+      <p:ext uri="{BB962C8B-B14F-4D97-AF65-F5344CB8AC3E}">
+        <p14:creationId xmlns:p14="http://schemas.microsoft.com/office/powerpoint/2010/main" val="3782709779"/>
+      </p:ext>
+    </p:extLst>
+  </p:cSld>
+  <p:clrMap bg1="lt1" tx1="dk1" bg2="lt2" tx2="dk2" accent1="accent1" accent2="accent2" accent3="accent3" accent4="accent4" accent5="accent5" accent6="accent6" hlink="hlink" folHlink="folHlink"/>
+  <p:notesStyle>
+    <a:lvl1pPr marL="0" algn="l" defTabSz="914400" rtl="0" eaLnBrk="1" latinLnBrk="0" hangingPunct="1">
+      <a:defRPr sz="1200" kern="1200">
+        <a:solidFill>
+          <a:schemeClr val="tx1"/>
+        </a:solidFill>
+        <a:latin typeface="+mn-lt"/>
+        <a:ea typeface="+mn-ea"/>
+        <a:cs typeface="+mn-cs"/>
+      </a:defRPr>
+    </a:lvl1pPr>
+    <a:lvl2pPr marL="457200" algn="l" defTabSz="914400" rtl="0" eaLnBrk="1" latinLnBrk="0" hangingPunct="1">
+      <a:defRPr sz="1200" kern="1200">
+        <a:solidFill>
+          <a:schemeClr val="tx1"/>
+        </a:solidFill>
+        <a:latin typeface="+mn-lt"/>
+        <a:ea typeface="+mn-ea"/>
+        <a:cs typeface="+mn-cs"/>
+      </a:defRPr>
+    </a:lvl2pPr>
+    <a:lvl3pPr marL="914400" algn="l" defTabSz="914400" rtl="0" eaLnBrk="1" latinLnBrk="0" hangingPunct="1">
+      <a:defRPr sz="1200" kern="1200">
+        <a:solidFill>
+          <a:schemeClr val="tx1"/>
+        </a:solidFill>
+        <a:latin typeface="+mn-lt"/>
+        <a:ea typeface="+mn-ea"/>
+        <a:cs typeface="+mn-cs"/>
+      </a:defRPr>
+    </a:lvl3pPr>
+    <a:lvl4pPr marL="1371600" algn="l" defTabSz="914400" rtl="0" eaLnBrk="1" latinLnBrk="0" hangingPunct="1">
+      <a:defRPr sz="1200" kern="1200">
+        <a:solidFill>
+          <a:schemeClr val="tx1"/>
+        </a:solidFill>
+        <a:latin typeface="+mn-lt"/>
+        <a:ea typeface="+mn-ea"/>
+        <a:cs typeface="+mn-cs"/>
+      </a:defRPr>
+    </a:lvl4pPr>
+    <a:lvl5pPr marL="1828800" algn="l" defTabSz="914400" rtl="0" eaLnBrk="1" latinLnBrk="0" hangingPunct="1">
+      <a:defRPr sz="1200" kern="1200">
+        <a:solidFill>
+          <a:schemeClr val="tx1"/>
+        </a:solidFill>
+        <a:latin typeface="+mn-lt"/>
+        <a:ea typeface="+mn-ea"/>
+        <a:cs typeface="+mn-cs"/>
+      </a:defRPr>
+    </a:lvl5pPr>
+    <a:lvl6pPr marL="2286000" algn="l" defTabSz="914400" rtl="0" eaLnBrk="1" latinLnBrk="0" hangingPunct="1">
+      <a:defRPr sz="1200" kern="1200">
+        <a:solidFill>
+          <a:schemeClr val="tx1"/>
+        </a:solidFill>
+        <a:latin typeface="+mn-lt"/>
+        <a:ea typeface="+mn-ea"/>
+        <a:cs typeface="+mn-cs"/>
+      </a:defRPr>
+    </a:lvl6pPr>
+    <a:lvl7pPr marL="2743200" algn="l" defTabSz="914400" rtl="0" eaLnBrk="1" latinLnBrk="0" hangingPunct="1">
+      <a:defRPr sz="1200" kern="1200">
+        <a:solidFill>
+          <a:schemeClr val="tx1"/>
+        </a:solidFill>
+        <a:latin typeface="+mn-lt"/>
+        <a:ea typeface="+mn-ea"/>
+        <a:cs typeface="+mn-cs"/>
+      </a:defRPr>
+    </a:lvl7pPr>
+    <a:lvl8pPr marL="3200400" algn="l" defTabSz="914400" rtl="0" eaLnBrk="1" latinLnBrk="0" hangingPunct="1">
+      <a:defRPr sz="1200" kern="1200">
+        <a:solidFill>
+          <a:schemeClr val="tx1"/>
+        </a:solidFill>
+        <a:latin typeface="+mn-lt"/>
+        <a:ea typeface="+mn-ea"/>
+        <a:cs typeface="+mn-cs"/>
+      </a:defRPr>
+    </a:lvl8pPr>
+    <a:lvl9pPr marL="3657600" algn="l" defTabSz="914400" rtl="0" eaLnBrk="1" latinLnBrk="0" hangingPunct="1">
+      <a:defRPr sz="1200" kern="1200">
+        <a:solidFill>
+          <a:schemeClr val="tx1"/>
+        </a:solidFill>
+        <a:latin typeface="+mn-lt"/>
+        <a:ea typeface="+mn-ea"/>
+        <a:cs typeface="+mn-cs"/>
+      </a:defRPr>
+    </a:lvl9pPr>
+  </p:notesStyle>
+</p:notesMaster>
+</file>
+
+<file path=ppt/notesSlides/notesSlide1.xml><?xml version="1.0" encoding="utf-8"?>
+<p:notes xmlns:a="http://schemas.openxmlformats.org/drawingml/2006/main" xmlns:r="http://schemas.openxmlformats.org/officeDocument/2006/relationships" xmlns:p="http://schemas.openxmlformats.org/presentationml/2006/main">
+  <p:cSld>
+    <p:spTree>
+      <p:nvGrpSpPr>
+        <p:cNvPr id="1" name=""/>
+        <p:cNvGrpSpPr/>
+        <p:nvPr/>
+      </p:nvGrpSpPr>
+      <p:grpSpPr>
+        <a:xfrm>
+          <a:off x="0" y="0"/>
+          <a:ext cx="0" cy="0"/>
+          <a:chOff x="0" y="0"/>
+          <a:chExt cx="0" cy="0"/>
+        </a:xfrm>
+      </p:grpSpPr>
+      <p:sp>
+        <p:nvSpPr>
+          <p:cNvPr id="2" name="Slide Image Placeholder 1"/>
+          <p:cNvSpPr>
+            <a:spLocks noGrp="1" noRot="1" noChangeAspect="1"/>
+          </p:cNvSpPr>
+          <p:nvPr>
+            <p:ph type="sldImg"/>
+          </p:nvPr>
+        </p:nvSpPr>
+        <p:spPr/>
+      </p:sp>
+      <p:sp>
+        <p:nvSpPr>
+          <p:cNvPr id="3" name="Notes Placeholder 2"/>
+          <p:cNvSpPr>
+            <a:spLocks noGrp="1"/>
+          </p:cNvSpPr>
+          <p:nvPr>
+            <p:ph type="body" idx="1"/>
+          </p:nvPr>
+        </p:nvSpPr>
+        <p:spPr/>
+        <p:txBody>
+          <a:bodyPr/>
+          <a:lstStyle/>
+          <a:p>
+            <a:pPr lvl="0" marL="0" indent="0">
+              <a:buNone/>
+            </a:pPr>
+            <a:r>
+              <a:rPr/>
+              <a:t>Not</a:t>
+            </a:r>
+            <a:r>
+              <a:rPr/>
+              <a:t> </a:t>
+            </a:r>
+            <a:r>
+              <a:rPr/>
+              <a:t>included</a:t>
+            </a:r>
+            <a:r>
+              <a:rPr/>
+              <a:t> </a:t>
+            </a:r>
+            <a:r>
+              <a:rPr/>
+              <a:t>here</a:t>
+            </a:r>
+            <a:r>
+              <a:rPr/>
+              <a:t> </a:t>
+            </a:r>
+            <a:r>
+              <a:rPr/>
+              <a:t>are</a:t>
+            </a:r>
+            <a:r>
+              <a:rPr/>
+              <a:t> </a:t>
+            </a:r>
+            <a:r>
+              <a:rPr/>
+              <a:t>college</a:t>
+            </a:r>
+            <a:r>
+              <a:rPr/>
+              <a:t> </a:t>
+            </a:r>
+            <a:r>
+              <a:rPr/>
+              <a:t>jobs</a:t>
+            </a:r>
+            <a:r>
+              <a:rPr/>
+              <a:t> </a:t>
+            </a:r>
+            <a:r>
+              <a:rPr/>
+              <a:t>that</a:t>
+            </a:r>
+            <a:r>
+              <a:rPr/>
+              <a:t> </a:t>
+            </a:r>
+            <a:r>
+              <a:rPr/>
+              <a:t>would</a:t>
+            </a:r>
+            <a:r>
+              <a:rPr/>
+              <a:t> </a:t>
+            </a:r>
+            <a:r>
+              <a:rPr/>
+              <a:t>not</a:t>
+            </a:r>
+            <a:r>
+              <a:rPr/>
+              <a:t> </a:t>
+            </a:r>
+            <a:r>
+              <a:rPr/>
+              <a:t>qualify.</a:t>
+            </a:r>
+            <a:r>
+              <a:rPr/>
+              <a:t> </a:t>
+            </a:r>
+            <a:r>
+              <a:rPr/>
+              <a:t>For</a:t>
+            </a:r>
+            <a:r>
+              <a:rPr/>
+              <a:t> </a:t>
+            </a:r>
+            <a:r>
+              <a:rPr/>
+              <a:t>example,</a:t>
+            </a:r>
+            <a:r>
+              <a:rPr/>
+              <a:t> </a:t>
+            </a:r>
+            <a:r>
+              <a:rPr/>
+              <a:t>working</a:t>
+            </a:r>
+            <a:r>
+              <a:rPr/>
+              <a:t> </a:t>
+            </a:r>
+            <a:r>
+              <a:rPr/>
+              <a:t>at</a:t>
+            </a:r>
+            <a:r>
+              <a:rPr/>
+              <a:t> </a:t>
+            </a:r>
+            <a:r>
+              <a:rPr/>
+              <a:t>as</a:t>
+            </a:r>
+            <a:r>
+              <a:rPr/>
+              <a:t> </a:t>
+            </a:r>
+            <a:r>
+              <a:rPr/>
+              <a:t>a</a:t>
+            </a:r>
+            <a:r>
+              <a:rPr/>
+              <a:t> </a:t>
+            </a:r>
+            <a:r>
+              <a:rPr/>
+              <a:t>package</a:t>
+            </a:r>
+            <a:r>
+              <a:rPr/>
+              <a:t> </a:t>
+            </a:r>
+            <a:r>
+              <a:rPr/>
+              <a:t>loader</a:t>
+            </a:r>
+            <a:r>
+              <a:rPr/>
+              <a:t> </a:t>
+            </a:r>
+            <a:r>
+              <a:rPr/>
+              <a:t>motivated</a:t>
+            </a:r>
+            <a:r>
+              <a:rPr/>
+              <a:t> </a:t>
+            </a:r>
+            <a:r>
+              <a:rPr/>
+              <a:t>me</a:t>
+            </a:r>
+            <a:r>
+              <a:rPr/>
+              <a:t> </a:t>
+            </a:r>
+            <a:r>
+              <a:rPr/>
+              <a:t>to</a:t>
+            </a:r>
+            <a:r>
+              <a:rPr/>
+              <a:t> </a:t>
+            </a:r>
+            <a:r>
+              <a:rPr/>
+              <a:t>not</a:t>
+            </a:r>
+            <a:r>
+              <a:rPr/>
+              <a:t> </a:t>
+            </a:r>
+            <a:r>
+              <a:rPr/>
+              <a:t>want</a:t>
+            </a:r>
+            <a:r>
+              <a:rPr/>
+              <a:t> </a:t>
+            </a:r>
+            <a:r>
+              <a:rPr/>
+              <a:t>to</a:t>
+            </a:r>
+            <a:r>
+              <a:rPr/>
+              <a:t> </a:t>
+            </a:r>
+            <a:r>
+              <a:rPr/>
+              <a:t>do</a:t>
+            </a:r>
+            <a:r>
+              <a:rPr/>
+              <a:t> </a:t>
+            </a:r>
+            <a:r>
+              <a:rPr/>
+              <a:t>that</a:t>
+            </a:r>
+            <a:r>
+              <a:rPr/>
+              <a:t> </a:t>
+            </a:r>
+            <a:r>
+              <a:rPr/>
+              <a:t>as</a:t>
+            </a:r>
+            <a:r>
+              <a:rPr/>
+              <a:t> </a:t>
+            </a:r>
+            <a:r>
+              <a:rPr/>
+              <a:t>a</a:t>
+            </a:r>
+            <a:r>
+              <a:rPr/>
+              <a:t> </a:t>
+            </a:r>
+            <a:r>
+              <a:rPr/>
+              <a:t>career.</a:t>
+            </a:r>
+            <a:r>
+              <a:rPr/>
+              <a:t> </a:t>
+            </a:r>
+            <a:r>
+              <a:rPr/>
+              <a:t>The</a:t>
+            </a:r>
+            <a:r>
+              <a:rPr/>
+              <a:t> </a:t>
+            </a:r>
+            <a:r>
+              <a:rPr/>
+              <a:t>same</a:t>
+            </a:r>
+            <a:r>
+              <a:rPr/>
+              <a:t> </a:t>
+            </a:r>
+            <a:r>
+              <a:rPr/>
+              <a:t>goes</a:t>
+            </a:r>
+            <a:r>
+              <a:rPr/>
+              <a:t> </a:t>
+            </a:r>
+            <a:r>
+              <a:rPr/>
+              <a:t>for</a:t>
+            </a:r>
+            <a:r>
+              <a:rPr/>
+              <a:t> </a:t>
+            </a:r>
+            <a:r>
+              <a:rPr/>
+              <a:t>summer</a:t>
+            </a:r>
+            <a:r>
+              <a:rPr/>
+              <a:t> </a:t>
+            </a:r>
+            <a:r>
+              <a:rPr/>
+              <a:t>helping</a:t>
+            </a:r>
+            <a:r>
+              <a:rPr/>
+              <a:t> </a:t>
+            </a:r>
+            <a:r>
+              <a:rPr/>
+              <a:t>family</a:t>
+            </a:r>
+            <a:r>
+              <a:rPr/>
+              <a:t> </a:t>
+            </a:r>
+            <a:r>
+              <a:rPr/>
+              <a:t>with</a:t>
+            </a:r>
+            <a:r>
+              <a:rPr/>
+              <a:t> </a:t>
+            </a:r>
+            <a:r>
+              <a:rPr/>
+              <a:t>home</a:t>
+            </a:r>
+            <a:r>
+              <a:rPr/>
+              <a:t> </a:t>
+            </a:r>
+            <a:r>
+              <a:rPr/>
+              <a:t>construction</a:t>
+            </a:r>
+            <a:r>
+              <a:rPr/>
+              <a:t> </a:t>
+            </a:r>
+            <a:r>
+              <a:rPr/>
+              <a:t>projects.</a:t>
+            </a:r>
+          </a:p>
+        </p:txBody>
+      </p:sp>
+      <p:sp>
+        <p:nvSpPr>
+          <p:cNvPr id="4" name="Slide Number Placeholder 3"/>
+          <p:cNvSpPr>
+            <a:spLocks noGrp="1"/>
+          </p:cNvSpPr>
+          <p:nvPr>
+            <p:ph type="sldNum" sz="quarter" idx="10"/>
+          </p:nvPr>
+        </p:nvSpPr>
+        <p:spPr/>
+        <p:txBody>
+          <a:bodyPr/>
+          <a:lstStyle/>
+          <a:p>
+            <a:fld id="{18BDFEC3-8487-43E8-A154-7C12CBC1FFF2}" type="slidenum">
+              <a:rPr lang="en-US"/>
+              <a:t>3</a:t>
+            </a:fld>
+            <a:endParaRPr lang="en-US"/>
+          </a:p>
+        </p:txBody>
+      </p:sp>
+    </p:spTree>
+  </p:cSld>
+</p:notes>
+</file>
+
 <file path=ppt/slideLayouts/slideLayout1.xml><?xml version="1.0" encoding="utf-8"?>
 <p:sldLayout xmlns:a="http://schemas.openxmlformats.org/drawingml/2006/main" xmlns:r="http://schemas.openxmlformats.org/officeDocument/2006/relationships" xmlns:p="http://schemas.openxmlformats.org/presentationml/2006/main" type="title" preserve="1">
   <p:cSld name="Title Slide">
@@ -2619,7 +3364,7 @@
           <a:lstStyle/>
           <a:p>
             <a:r>
-              <a:rPr lang="en-US"/>
+              <a:rPr dirty="0" lang="en-US"/>
               <a:t>Click to edit Master title style</a:t>
             </a:r>
           </a:p>
@@ -2835,7 +3580,7 @@
         <a:buNone/>
         <a:defRPr kern="1200" sz="4400">
           <a:solidFill>
-            <a:schemeClr val="tx1"/>
+            <a:srgbClr val="002060"/>
           </a:solidFill>
           <a:latin typeface="+mj-lt"/>
           <a:ea typeface="+mj-ea"/>
@@ -3159,6 +3904,51 @@
             </a:pPr>
             <a:br/>
             <a:br/>
+            <a:r>
+              <a:rPr/>
+              <a:t>Chéyo</a:t>
+            </a:r>
+            <a:r>
+              <a:rPr/>
+              <a:t> </a:t>
+            </a:r>
+            <a:r>
+              <a:rPr/>
+              <a:t>Jiménez,</a:t>
+            </a:r>
+            <a:r>
+              <a:rPr/>
+              <a:t> </a:t>
+            </a:r>
+            <a:r>
+              <a:rPr/>
+              <a:t>MSE</a:t>
+            </a:r>
+          </a:p>
+        </p:txBody>
+      </p:sp>
+      <p:sp>
+        <p:nvSpPr>
+          <p:cNvPr id="4" name="Date Placeholder 3"/>
+          <p:cNvSpPr>
+            <a:spLocks noGrp="1"/>
+          </p:cNvSpPr>
+          <p:nvPr>
+            <p:ph idx="10" sz="half" type="dt"/>
+          </p:nvPr>
+        </p:nvSpPr>
+        <p:spPr/>
+        <p:txBody>
+          <a:bodyPr/>
+          <a:lstStyle/>
+          <a:p>
+            <a:pPr lvl="0" marL="0" indent="0">
+              <a:buNone/>
+            </a:pPr>
+            <a:r>
+              <a:rPr/>
+              <a:t>2021-11</a:t>
+            </a:r>
           </a:p>
         </p:txBody>
       </p:sp>
@@ -3204,15 +3994,39 @@
             </a:pPr>
             <a:r>
               <a:rPr/>
-              <a:t>Personal</a:t>
-            </a:r>
-            <a:r>
-              <a:rPr/>
-              <a:t> </a:t>
-            </a:r>
-            <a:r>
-              <a:rPr/>
-              <a:t>Journey</a:t>
+              <a:t>~12</a:t>
+            </a:r>
+            <a:r>
+              <a:rPr/>
+              <a:t> </a:t>
+            </a:r>
+            <a:r>
+              <a:rPr/>
+              <a:t>years</a:t>
+            </a:r>
+            <a:r>
+              <a:rPr/>
+              <a:t> </a:t>
+            </a:r>
+            <a:r>
+              <a:rPr/>
+              <a:t>as</a:t>
+            </a:r>
+            <a:r>
+              <a:rPr/>
+              <a:t> </a:t>
+            </a:r>
+            <a:r>
+              <a:rPr/>
+              <a:t>of</a:t>
+            </a:r>
+            <a:r>
+              <a:rPr/>
+              <a:t> </a:t>
+            </a:r>
+            <a:r>
+              <a:rPr/>
+              <a:t>2021</a:t>
             </a:r>
           </a:p>
         </p:txBody>
@@ -3232,16 +4046,17 @@
           <a:bodyPr/>
           <a:lstStyle/>
           <a:p>
-            <a:pPr lvl="0" marL="0" indent="0">
-              <a:buNone/>
-            </a:pPr>
-            <a:r>
-              <a:rPr/>
-              <a:t>Chéyo Jiménez, MSE </a:t>
-            </a:r>
-            <a:r>
-              <a:rPr i="1"/>
-              <a:t>Nov, 2021</a:t>
+            <a:pPr lvl="1"/>
+            <a:r>
+              <a:rPr/>
+              <a:t>Young professional figuring how to get paid for doing what I love</a:t>
+            </a:r>
+          </a:p>
+          <a:p>
+            <a:pPr lvl="1"/>
+            <a:r>
+              <a:rPr/>
+              <a:t>Our professional life may take different paths but the journey is the same</a:t>
             </a:r>
           </a:p>
         </p:txBody>
@@ -3252,115 +4067,6 @@
 </file>
 
 <file path=ppt/slides/slide3.xml><?xml version="1.0" encoding="utf-8"?>
-<p:sld xmlns:a="http://schemas.openxmlformats.org/drawingml/2006/main" xmlns:r="http://schemas.openxmlformats.org/officeDocument/2006/relationships" xmlns:p="http://schemas.openxmlformats.org/presentationml/2006/main">
-  <p:cSld>
-    <p:spTree>
-      <p:nvGrpSpPr>
-        <p:cNvPr id="1" name=""/>
-        <p:cNvGrpSpPr/>
-        <p:nvPr/>
-      </p:nvGrpSpPr>
-      <p:grpSpPr>
-        <a:xfrm>
-          <a:off x="0" y="0"/>
-          <a:ext cx="0" cy="0"/>
-          <a:chOff x="0" y="0"/>
-          <a:chExt cx="0" cy="0"/>
-        </a:xfrm>
-      </p:grpSpPr>
-      <p:sp>
-        <p:nvSpPr>
-          <p:cNvPr id="2" name="Title 1"/>
-          <p:cNvSpPr>
-            <a:spLocks noGrp="1"/>
-          </p:cNvSpPr>
-          <p:nvPr>
-            <p:ph type="title"/>
-          </p:nvPr>
-        </p:nvSpPr>
-        <p:spPr/>
-        <p:txBody>
-          <a:bodyPr/>
-          <a:lstStyle/>
-          <a:p>
-            <a:pPr lvl="0" marL="0" indent="0">
-              <a:buNone/>
-            </a:pPr>
-            <a:r>
-              <a:rPr/>
-              <a:t>~12</a:t>
-            </a:r>
-            <a:r>
-              <a:rPr/>
-              <a:t> </a:t>
-            </a:r>
-            <a:r>
-              <a:rPr/>
-              <a:t>years</a:t>
-            </a:r>
-            <a:r>
-              <a:rPr/>
-              <a:t> </a:t>
-            </a:r>
-            <a:r>
-              <a:rPr/>
-              <a:t>as</a:t>
-            </a:r>
-            <a:r>
-              <a:rPr/>
-              <a:t> </a:t>
-            </a:r>
-            <a:r>
-              <a:rPr/>
-              <a:t>of</a:t>
-            </a:r>
-            <a:r>
-              <a:rPr/>
-              <a:t> </a:t>
-            </a:r>
-            <a:r>
-              <a:rPr/>
-              <a:t>2021</a:t>
-            </a:r>
-          </a:p>
-        </p:txBody>
-      </p:sp>
-      <p:sp>
-        <p:nvSpPr>
-          <p:cNvPr id="3" name="Content Placeholder 2"/>
-          <p:cNvSpPr>
-            <a:spLocks noGrp="1"/>
-          </p:cNvSpPr>
-          <p:nvPr>
-            <p:ph idx="1"/>
-          </p:nvPr>
-        </p:nvSpPr>
-        <p:spPr/>
-        <p:txBody>
-          <a:bodyPr/>
-          <a:lstStyle/>
-          <a:p>
-            <a:pPr lvl="1"/>
-            <a:r>
-              <a:rPr/>
-              <a:t>Young professional figuring how to get paid for doing what I love</a:t>
-            </a:r>
-          </a:p>
-          <a:p>
-            <a:pPr lvl="1"/>
-            <a:r>
-              <a:rPr/>
-              <a:t>Our professional life may take different paths but the journey is the same</a:t>
-            </a:r>
-          </a:p>
-        </p:txBody>
-      </p:sp>
-    </p:spTree>
-  </p:cSld>
-</p:sld>
-</file>
-
-<file path=ppt/slides/slide4.xml><?xml version="1.0" encoding="utf-8"?>
 <p:sld xmlns:a="http://schemas.openxmlformats.org/drawingml/2006/main" xmlns:r="http://schemas.openxmlformats.org/officeDocument/2006/relationships" xmlns:p="http://schemas.openxmlformats.org/presentationml/2006/main">
   <p:cSld>
     <p:spTree>
@@ -3386,7 +4092,7 @@
           <p:nvPr/>
         </p:nvPicPr>
         <p:blipFill>
-          <a:blip r:embed="rId2"/>
+          <a:blip r:embed="rId3"/>
           <a:stretch>
             <a:fillRect/>
           </a:stretch>
@@ -3412,6 +4118,114 @@
 </p:sld>
 </file>
 
+<file path=ppt/slides/slide4.xml><?xml version="1.0" encoding="utf-8"?>
+<p:sld xmlns:a="http://schemas.openxmlformats.org/drawingml/2006/main" xmlns:r="http://schemas.openxmlformats.org/officeDocument/2006/relationships" xmlns:p="http://schemas.openxmlformats.org/presentationml/2006/main">
+  <p:cSld>
+    <p:spTree>
+      <p:nvGrpSpPr>
+        <p:cNvPr id="1" name=""/>
+        <p:cNvGrpSpPr/>
+        <p:nvPr/>
+      </p:nvGrpSpPr>
+      <p:grpSpPr>
+        <a:xfrm>
+          <a:off x="0" y="0"/>
+          <a:ext cx="0" cy="0"/>
+          <a:chOff x="0" y="0"/>
+          <a:chExt cx="0" cy="0"/>
+        </a:xfrm>
+      </p:grpSpPr>
+      <p:sp>
+        <p:nvSpPr>
+          <p:cNvPr id="2" name="Title 1"/>
+          <p:cNvSpPr>
+            <a:spLocks noGrp="1"/>
+          </p:cNvSpPr>
+          <p:nvPr>
+            <p:ph type="title"/>
+          </p:nvPr>
+        </p:nvSpPr>
+        <p:spPr/>
+        <p:txBody>
+          <a:bodyPr/>
+          <a:lstStyle/>
+          <a:p>
+            <a:pPr lvl="0" marL="0" indent="0">
+              <a:buNone/>
+            </a:pPr>
+            <a:r>
+              <a:rPr/>
+              <a:t>Video</a:t>
+            </a:r>
+            <a:r>
+              <a:rPr/>
+              <a:t> </a:t>
+            </a:r>
+            <a:r>
+              <a:rPr/>
+              <a:t>Editor</a:t>
+            </a:r>
+            <a:r>
+              <a:rPr/>
+              <a:t> </a:t>
+            </a:r>
+            <a:r>
+              <a:rPr/>
+              <a:t>at</a:t>
+            </a:r>
+            <a:r>
+              <a:rPr/>
+              <a:t> </a:t>
+            </a:r>
+            <a:r>
+              <a:rPr/>
+              <a:t>NonProfit</a:t>
+            </a:r>
+          </a:p>
+        </p:txBody>
+      </p:sp>
+      <p:sp>
+        <p:nvSpPr>
+          <p:cNvPr id="3" name="Content Placeholder 2"/>
+          <p:cNvSpPr>
+            <a:spLocks noGrp="1"/>
+          </p:cNvSpPr>
+          <p:nvPr>
+            <p:ph idx="1"/>
+          </p:nvPr>
+        </p:nvSpPr>
+        <p:spPr/>
+        <p:txBody>
+          <a:bodyPr/>
+          <a:lstStyle/>
+          <a:p>
+            <a:pPr lvl="1"/>
+            <a:r>
+              <a:rPr/>
+              <a:t>Motivation: Helping people in need and getting other people to help. Different than most traditional non profits.</a:t>
+            </a:r>
+          </a:p>
+          <a:p>
+            <a:pPr lvl="1"/>
+            <a:r>
+              <a:rPr/>
+              <a:t>Ability: Creating digital artifacts to get more people involved in helping people.</a:t>
+            </a:r>
+          </a:p>
+          <a:p>
+            <a:pPr lvl="1"/>
+            <a:r>
+              <a:rPr/>
+              <a:t>Learnings: How to work hard (Ability). Aligned to the mission (Motivation). Leadership and confidence (Motivation)</a:t>
+            </a:r>
+          </a:p>
+        </p:txBody>
+      </p:sp>
+    </p:spTree>
+  </p:cSld>
+</p:sld>
+</file>
+
 <file path=ppt/slides/slide5.xml><?xml version="1.0" encoding="utf-8"?>
 <p:sld xmlns:a="http://schemas.openxmlformats.org/drawingml/2006/main" xmlns:r="http://schemas.openxmlformats.org/officeDocument/2006/relationships" xmlns:p="http://schemas.openxmlformats.org/presentationml/2006/main">
   <p:cSld>
@@ -3449,15 +4263,15 @@
             </a:pPr>
             <a:r>
               <a:rPr/>
-              <a:t>Video</a:t>
-            </a:r>
-            <a:r>
-              <a:rPr/>
-              <a:t> </a:t>
-            </a:r>
-            <a:r>
-              <a:rPr/>
-              <a:t>Editor</a:t>
+              <a:t>Project</a:t>
+            </a:r>
+            <a:r>
+              <a:rPr/>
+              <a:t> </a:t>
+            </a:r>
+            <a:r>
+              <a:rPr/>
+              <a:t>Manager</a:t>
             </a:r>
             <a:r>
               <a:rPr/>
@@ -3473,7 +4287,23 @@
             </a:r>
             <a:r>
               <a:rPr/>
-              <a:t>NonProfit</a:t>
+              <a:t>Portable</a:t>
+            </a:r>
+            <a:r>
+              <a:rPr/>
+              <a:t> </a:t>
+            </a:r>
+            <a:r>
+              <a:rPr/>
+              <a:t>Buildings</a:t>
+            </a:r>
+            <a:r>
+              <a:rPr/>
+              <a:t> </a:t>
+            </a:r>
+            <a:r>
+              <a:rPr/>
+              <a:t>Company</a:t>
             </a:r>
           </a:p>
         </p:txBody>
@@ -3496,21 +4326,21 @@
             <a:pPr lvl="1"/>
             <a:r>
               <a:rPr/>
-              <a:t>Motivation: Helping people in need and getting other people to help. Different than most traditional non profits.</a:t>
+              <a:t>Motivation: I was creating less and less digital content that I thought it might be better for me to switch career where they may be better pay.</a:t>
             </a:r>
           </a:p>
           <a:p>
             <a:pPr lvl="1"/>
             <a:r>
               <a:rPr/>
-              <a:t>Ability: Creating digital artifacts to get more people involved in helping people.</a:t>
+              <a:t>Ability: Work hard. Leadership and confidence. Support sales people to sell more structures.</a:t>
             </a:r>
           </a:p>
           <a:p>
             <a:pPr lvl="1"/>
             <a:r>
               <a:rPr/>
-              <a:t>Learnings: How to work hard (Ability). Aligned to the mission (Motivation). Leadership and confidence (Motivation)</a:t>
+              <a:t>Learnings: International Travel is overrated. A company (where you work) should not be part of your identity. Money as a primary motivation did not work for me.</a:t>
             </a:r>
           </a:p>
         </p:txBody>
@@ -3521,130 +4351,6 @@
 </file>
 
 <file path=ppt/slides/slide6.xml><?xml version="1.0" encoding="utf-8"?>
-<p:sld xmlns:a="http://schemas.openxmlformats.org/drawingml/2006/main" xmlns:r="http://schemas.openxmlformats.org/officeDocument/2006/relationships" xmlns:p="http://schemas.openxmlformats.org/presentationml/2006/main">
-  <p:cSld>
-    <p:spTree>
-      <p:nvGrpSpPr>
-        <p:cNvPr id="1" name=""/>
-        <p:cNvGrpSpPr/>
-        <p:nvPr/>
-      </p:nvGrpSpPr>
-      <p:grpSpPr>
-        <a:xfrm>
-          <a:off x="0" y="0"/>
-          <a:ext cx="0" cy="0"/>
-          <a:chOff x="0" y="0"/>
-          <a:chExt cx="0" cy="0"/>
-        </a:xfrm>
-      </p:grpSpPr>
-      <p:sp>
-        <p:nvSpPr>
-          <p:cNvPr id="2" name="Title 1"/>
-          <p:cNvSpPr>
-            <a:spLocks noGrp="1"/>
-          </p:cNvSpPr>
-          <p:nvPr>
-            <p:ph type="title"/>
-          </p:nvPr>
-        </p:nvSpPr>
-        <p:spPr/>
-        <p:txBody>
-          <a:bodyPr/>
-          <a:lstStyle/>
-          <a:p>
-            <a:pPr lvl="0" marL="0" indent="0">
-              <a:buNone/>
-            </a:pPr>
-            <a:r>
-              <a:rPr/>
-              <a:t>Project</a:t>
-            </a:r>
-            <a:r>
-              <a:rPr/>
-              <a:t> </a:t>
-            </a:r>
-            <a:r>
-              <a:rPr/>
-              <a:t>Manager</a:t>
-            </a:r>
-            <a:r>
-              <a:rPr/>
-              <a:t> </a:t>
-            </a:r>
-            <a:r>
-              <a:rPr/>
-              <a:t>at</a:t>
-            </a:r>
-            <a:r>
-              <a:rPr/>
-              <a:t> </a:t>
-            </a:r>
-            <a:r>
-              <a:rPr/>
-              <a:t>Portable</a:t>
-            </a:r>
-            <a:r>
-              <a:rPr/>
-              <a:t> </a:t>
-            </a:r>
-            <a:r>
-              <a:rPr/>
-              <a:t>Buildings</a:t>
-            </a:r>
-            <a:r>
-              <a:rPr/>
-              <a:t> </a:t>
-            </a:r>
-            <a:r>
-              <a:rPr/>
-              <a:t>Company</a:t>
-            </a:r>
-          </a:p>
-        </p:txBody>
-      </p:sp>
-      <p:sp>
-        <p:nvSpPr>
-          <p:cNvPr id="3" name="Content Placeholder 2"/>
-          <p:cNvSpPr>
-            <a:spLocks noGrp="1"/>
-          </p:cNvSpPr>
-          <p:nvPr>
-            <p:ph idx="1"/>
-          </p:nvPr>
-        </p:nvSpPr>
-        <p:spPr/>
-        <p:txBody>
-          <a:bodyPr/>
-          <a:lstStyle/>
-          <a:p>
-            <a:pPr lvl="1"/>
-            <a:r>
-              <a:rPr/>
-              <a:t>Motivation: I was creating less and less digital content that I thought it might be better for me to switch career where they may be better pay.</a:t>
-            </a:r>
-          </a:p>
-          <a:p>
-            <a:pPr lvl="1"/>
-            <a:r>
-              <a:rPr/>
-              <a:t>Ability: Work hard. Leadership and confidence. Support sales people to sell more structures.</a:t>
-            </a:r>
-          </a:p>
-          <a:p>
-            <a:pPr lvl="1"/>
-            <a:r>
-              <a:rPr/>
-              <a:t>Learnings: International Travel is overrated. A company (where you work) should not be part of your identity. Money as a primary motivation did not work for me.</a:t>
-            </a:r>
-          </a:p>
-        </p:txBody>
-      </p:sp>
-    </p:spTree>
-  </p:cSld>
-</p:sld>
-</file>
-
-<file path=ppt/slides/slide7.xml><?xml version="1.0" encoding="utf-8"?>
 <p:sld xmlns:a="http://schemas.openxmlformats.org/drawingml/2006/main" xmlns:r="http://schemas.openxmlformats.org/officeDocument/2006/relationships" xmlns:p="http://schemas.openxmlformats.org/presentationml/2006/main">
   <p:cSld>
     <p:spTree>
@@ -4078,4 +4784,265 @@
   </a:objectDefaults>
   <a:extraClrSchemeLst/>
 </a:theme>
+</file>
+
+<file path=ppt/theme/theme2.xml><?xml version="1.0" encoding="utf-8"?>
+<a:theme xmlns:a="http://schemas.openxmlformats.org/drawingml/2006/main" name="Office Theme">
+  <a:themeElements>
+    <a:clrScheme name="Office">
+      <a:dk1>
+        <a:sysClr val="windowText" lastClr="000000"/>
+      </a:dk1>
+      <a:lt1>
+        <a:sysClr val="window" lastClr="FFFFFF"/>
+      </a:lt1>
+      <a:dk2>
+        <a:srgbClr val="44546A"/>
+      </a:dk2>
+      <a:lt2>
+        <a:srgbClr val="E7E6E6"/>
+      </a:lt2>
+      <a:accent1>
+        <a:srgbClr val="5B9BD5"/>
+      </a:accent1>
+      <a:accent2>
+        <a:srgbClr val="ED7D31"/>
+      </a:accent2>
+      <a:accent3>
+        <a:srgbClr val="A5A5A5"/>
+      </a:accent3>
+      <a:accent4>
+        <a:srgbClr val="FFC000"/>
+      </a:accent4>
+      <a:accent5>
+        <a:srgbClr val="4472C4"/>
+      </a:accent5>
+      <a:accent6>
+        <a:srgbClr val="70AD47"/>
+      </a:accent6>
+      <a:hlink>
+        <a:srgbClr val="0563C1"/>
+      </a:hlink>
+      <a:folHlink>
+        <a:srgbClr val="954F72"/>
+      </a:folHlink>
+    </a:clrScheme>
+    <a:fontScheme name="Office">
+      <a:majorFont>
+        <a:latin typeface="Calibri Light" panose="020F0302020204030204"/>
+        <a:ea typeface=""/>
+        <a:cs typeface=""/>
+        <a:font script="Jpan" typeface="ＭＳ Ｐゴシック"/>
+        <a:font script="Hang" typeface="맑은 고딕"/>
+        <a:font script="Hans" typeface="宋体"/>
+        <a:font script="Hant" typeface="新細明體"/>
+        <a:font script="Arab" typeface="Times New Roman"/>
+        <a:font script="Hebr" typeface="Times New Roman"/>
+        <a:font script="Thai" typeface="Angsana New"/>
+        <a:font script="Ethi" typeface="Nyala"/>
+        <a:font script="Beng" typeface="Vrinda"/>
+        <a:font script="Gujr" typeface="Shruti"/>
+        <a:font script="Khmr" typeface="MoolBoran"/>
+        <a:font script="Knda" typeface="Tunga"/>
+        <a:font script="Guru" typeface="Raavi"/>
+        <a:font script="Cans" typeface="Euphemia"/>
+        <a:font script="Cher" typeface="Plantagenet Cherokee"/>
+        <a:font script="Yiii" typeface="Microsoft Yi Baiti"/>
+        <a:font script="Tibt" typeface="Microsoft Himalaya"/>
+        <a:font script="Thaa" typeface="MV Boli"/>
+        <a:font script="Deva" typeface="Mangal"/>
+        <a:font script="Telu" typeface="Gautami"/>
+        <a:font script="Taml" typeface="Latha"/>
+        <a:font script="Syrc" typeface="Estrangelo Edessa"/>
+        <a:font script="Orya" typeface="Kalinga"/>
+        <a:font script="Mlym" typeface="Kartika"/>
+        <a:font script="Laoo" typeface="DokChampa"/>
+        <a:font script="Sinh" typeface="Iskoola Pota"/>
+        <a:font script="Mong" typeface="Mongolian Baiti"/>
+        <a:font script="Viet" typeface="Times New Roman"/>
+        <a:font script="Uigh" typeface="Microsoft Uighur"/>
+        <a:font script="Geor" typeface="Sylfaen"/>
+      </a:majorFont>
+      <a:minorFont>
+        <a:latin typeface="Calibri" panose="020F0502020204030204"/>
+        <a:ea typeface=""/>
+        <a:cs typeface=""/>
+        <a:font script="Jpan" typeface="ＭＳ Ｐゴシック"/>
+        <a:font script="Hang" typeface="맑은 고딕"/>
+        <a:font script="Hans" typeface="宋体"/>
+        <a:font script="Hant" typeface="新細明體"/>
+        <a:font script="Arab" typeface="Arial"/>
+        <a:font script="Hebr" typeface="Arial"/>
+        <a:font script="Thai" typeface="Cordia New"/>
+        <a:font script="Ethi" typeface="Nyala"/>
+        <a:font script="Beng" typeface="Vrinda"/>
+        <a:font script="Gujr" typeface="Shruti"/>
+        <a:font script="Khmr" typeface="DaunPenh"/>
+        <a:font script="Knda" typeface="Tunga"/>
+        <a:font script="Guru" typeface="Raavi"/>
+        <a:font script="Cans" typeface="Euphemia"/>
+        <a:font script="Cher" typeface="Plantagenet Cherokee"/>
+        <a:font script="Yiii" typeface="Microsoft Yi Baiti"/>
+        <a:font script="Tibt" typeface="Microsoft Himalaya"/>
+        <a:font script="Thaa" typeface="MV Boli"/>
+        <a:font script="Deva" typeface="Mangal"/>
+        <a:font script="Telu" typeface="Gautami"/>
+        <a:font script="Taml" typeface="Latha"/>
+        <a:font script="Syrc" typeface="Estrangelo Edessa"/>
+        <a:font script="Orya" typeface="Kalinga"/>
+        <a:font script="Mlym" typeface="Kartika"/>
+        <a:font script="Laoo" typeface="DokChampa"/>
+        <a:font script="Sinh" typeface="Iskoola Pota"/>
+        <a:font script="Mong" typeface="Mongolian Baiti"/>
+        <a:font script="Viet" typeface="Arial"/>
+        <a:font script="Uigh" typeface="Microsoft Uighur"/>
+        <a:font script="Geor" typeface="Sylfaen"/>
+      </a:minorFont>
+    </a:fontScheme>
+    <a:fmtScheme name="Office">
+      <a:fillStyleLst>
+        <a:solidFill>
+          <a:schemeClr val="phClr"/>
+        </a:solidFill>
+        <a:gradFill rotWithShape="1">
+          <a:gsLst>
+            <a:gs pos="0">
+              <a:schemeClr val="phClr">
+                <a:lumMod val="110000"/>
+                <a:satMod val="105000"/>
+                <a:tint val="67000"/>
+              </a:schemeClr>
+            </a:gs>
+            <a:gs pos="50000">
+              <a:schemeClr val="phClr">
+                <a:lumMod val="105000"/>
+                <a:satMod val="103000"/>
+                <a:tint val="73000"/>
+              </a:schemeClr>
+            </a:gs>
+            <a:gs pos="100000">
+              <a:schemeClr val="phClr">
+                <a:lumMod val="105000"/>
+                <a:satMod val="109000"/>
+                <a:tint val="81000"/>
+              </a:schemeClr>
+            </a:gs>
+          </a:gsLst>
+          <a:lin ang="5400000" scaled="0"/>
+        </a:gradFill>
+        <a:gradFill rotWithShape="1">
+          <a:gsLst>
+            <a:gs pos="0">
+              <a:schemeClr val="phClr">
+                <a:satMod val="103000"/>
+                <a:lumMod val="102000"/>
+                <a:tint val="94000"/>
+              </a:schemeClr>
+            </a:gs>
+            <a:gs pos="50000">
+              <a:schemeClr val="phClr">
+                <a:satMod val="110000"/>
+                <a:lumMod val="100000"/>
+                <a:shade val="100000"/>
+              </a:schemeClr>
+            </a:gs>
+            <a:gs pos="100000">
+              <a:schemeClr val="phClr">
+                <a:lumMod val="99000"/>
+                <a:satMod val="120000"/>
+                <a:shade val="78000"/>
+              </a:schemeClr>
+            </a:gs>
+          </a:gsLst>
+          <a:lin ang="5400000" scaled="0"/>
+        </a:gradFill>
+      </a:fillStyleLst>
+      <a:lnStyleLst>
+        <a:ln w="6350" cap="flat" cmpd="sng" algn="ctr">
+          <a:solidFill>
+            <a:schemeClr val="phClr"/>
+          </a:solidFill>
+          <a:prstDash val="solid"/>
+          <a:miter lim="800000"/>
+        </a:ln>
+        <a:ln w="12700" cap="flat" cmpd="sng" algn="ctr">
+          <a:solidFill>
+            <a:schemeClr val="phClr"/>
+          </a:solidFill>
+          <a:prstDash val="solid"/>
+          <a:miter lim="800000"/>
+        </a:ln>
+        <a:ln w="19050" cap="flat" cmpd="sng" algn="ctr">
+          <a:solidFill>
+            <a:schemeClr val="phClr"/>
+          </a:solidFill>
+          <a:prstDash val="solid"/>
+          <a:miter lim="800000"/>
+        </a:ln>
+      </a:lnStyleLst>
+      <a:effectStyleLst>
+        <a:effectStyle>
+          <a:effectLst/>
+        </a:effectStyle>
+        <a:effectStyle>
+          <a:effectLst/>
+        </a:effectStyle>
+        <a:effectStyle>
+          <a:effectLst>
+            <a:outerShdw blurRad="57150" dist="19050" dir="5400000" algn="ctr" rotWithShape="0">
+              <a:srgbClr val="000000">
+                <a:alpha val="63000"/>
+              </a:srgbClr>
+            </a:outerShdw>
+          </a:effectLst>
+        </a:effectStyle>
+      </a:effectStyleLst>
+      <a:bgFillStyleLst>
+        <a:solidFill>
+          <a:schemeClr val="phClr"/>
+        </a:solidFill>
+        <a:solidFill>
+          <a:schemeClr val="phClr">
+            <a:tint val="95000"/>
+            <a:satMod val="170000"/>
+          </a:schemeClr>
+        </a:solidFill>
+        <a:gradFill rotWithShape="1">
+          <a:gsLst>
+            <a:gs pos="0">
+              <a:schemeClr val="phClr">
+                <a:tint val="93000"/>
+                <a:satMod val="150000"/>
+                <a:shade val="98000"/>
+                <a:lumMod val="102000"/>
+              </a:schemeClr>
+            </a:gs>
+            <a:gs pos="50000">
+              <a:schemeClr val="phClr">
+                <a:tint val="98000"/>
+                <a:satMod val="130000"/>
+                <a:shade val="90000"/>
+                <a:lumMod val="103000"/>
+              </a:schemeClr>
+            </a:gs>
+            <a:gs pos="100000">
+              <a:schemeClr val="phClr">
+                <a:shade val="63000"/>
+                <a:satMod val="120000"/>
+              </a:schemeClr>
+            </a:gs>
+          </a:gsLst>
+          <a:lin ang="5400000" scaled="0"/>
+        </a:gradFill>
+      </a:bgFillStyleLst>
+    </a:fmtScheme>
+  </a:themeElements>
+  <a:objectDefaults/>
+  <a:extraClrSchemeLst/>
+  <a:extLst>
+    <a:ext uri="{05A4C25C-085E-4340-85A3-A5531E510DB2}">
+      <thm15:themeFamily xmlns:thm15="http://schemas.microsoft.com/office/thememl/2012/main" name="Office Theme" id="{62F939B6-93AF-4DB8-9C6B-D6C7DFDC589F}" vid="{4A3C46E8-61CC-4603-A589-7422A47A8E4A}"/>
+    </a:ext>
+  </a:extLst>
+</a:theme>
 </file>
--- a/presentation/render/career_cheyo.pptx
+++ b/presentation/render/career_cheyo.pptx
@@ -1,11 +1,11 @@
 
 <file path=ppt/presentation.xml><?xml version="1.0" encoding="utf-8"?>
-<p:presentation xmlns:a="http://schemas.openxmlformats.org/drawingml/2006/main" xmlns:p="http://schemas.openxmlformats.org/presentationml/2006/main" xmlns:r="http://schemas.openxmlformats.org/officeDocument/2006/relationships" autoCompressPictures="0" saveSubsetFonts="1">
+<p:presentation xmlns:a="http://schemas.openxmlformats.org/drawingml/2006/main" xmlns:r="http://schemas.openxmlformats.org/officeDocument/2006/relationships" xmlns:p="http://schemas.openxmlformats.org/presentationml/2006/main" saveSubsetFonts="1" autoCompressPictures="0">
   <p:sldMasterIdLst>
     <p:sldMasterId id="2147483648" r:id="rId1"/>
   </p:sldMasterIdLst>
   <p:notesMasterIdLst>
-    <p:NotesMasterId r:id="rId8"/>
+    <p:notesMasterId r:id="rId8"/>
   </p:notesMasterIdLst>
   <p:sldIdLst>
     <p:sldId id="256" r:id="rId2"/>
@@ -21,8 +21,8 @@
     <a:defPPr>
       <a:defRPr lang="en-US"/>
     </a:defPPr>
-    <a:lvl1pPr algn="l" defTabSz="457200" eaLnBrk="1" hangingPunct="1" latinLnBrk="0" marL="0" rtl="0">
-      <a:defRPr kern="1200" sz="1800">
+    <a:lvl1pPr marL="0" algn="l" defTabSz="457200" rtl="0" eaLnBrk="1" latinLnBrk="0" hangingPunct="1">
+      <a:defRPr sz="1800" kern="1200">
         <a:solidFill>
           <a:schemeClr val="tx1"/>
         </a:solidFill>
@@ -31,8 +31,8 @@
         <a:cs typeface="+mn-cs"/>
       </a:defRPr>
     </a:lvl1pPr>
-    <a:lvl2pPr algn="l" defTabSz="457200" eaLnBrk="1" hangingPunct="1" latinLnBrk="0" marL="457200" rtl="0">
-      <a:defRPr kern="1200" sz="1800">
+    <a:lvl2pPr marL="457200" algn="l" defTabSz="457200" rtl="0" eaLnBrk="1" latinLnBrk="0" hangingPunct="1">
+      <a:defRPr sz="1800" kern="1200">
         <a:solidFill>
           <a:schemeClr val="tx1"/>
         </a:solidFill>
@@ -41,8 +41,8 @@
         <a:cs typeface="+mn-cs"/>
       </a:defRPr>
     </a:lvl2pPr>
-    <a:lvl3pPr algn="l" defTabSz="457200" eaLnBrk="1" hangingPunct="1" latinLnBrk="0" marL="914400" rtl="0">
-      <a:defRPr kern="1200" sz="1800">
+    <a:lvl3pPr marL="914400" algn="l" defTabSz="457200" rtl="0" eaLnBrk="1" latinLnBrk="0" hangingPunct="1">
+      <a:defRPr sz="1800" kern="1200">
         <a:solidFill>
           <a:schemeClr val="tx1"/>
         </a:solidFill>
@@ -51,8 +51,8 @@
         <a:cs typeface="+mn-cs"/>
       </a:defRPr>
     </a:lvl3pPr>
-    <a:lvl4pPr algn="l" defTabSz="457200" eaLnBrk="1" hangingPunct="1" latinLnBrk="0" marL="1371600" rtl="0">
-      <a:defRPr kern="1200" sz="1800">
+    <a:lvl4pPr marL="1371600" algn="l" defTabSz="457200" rtl="0" eaLnBrk="1" latinLnBrk="0" hangingPunct="1">
+      <a:defRPr sz="1800" kern="1200">
         <a:solidFill>
           <a:schemeClr val="tx1"/>
         </a:solidFill>
@@ -61,8 +61,8 @@
         <a:cs typeface="+mn-cs"/>
       </a:defRPr>
     </a:lvl4pPr>
-    <a:lvl5pPr algn="l" defTabSz="457200" eaLnBrk="1" hangingPunct="1" latinLnBrk="0" marL="1828800" rtl="0">
-      <a:defRPr kern="1200" sz="1800">
+    <a:lvl5pPr marL="1828800" algn="l" defTabSz="457200" rtl="0" eaLnBrk="1" latinLnBrk="0" hangingPunct="1">
+      <a:defRPr sz="1800" kern="1200">
         <a:solidFill>
           <a:schemeClr val="tx1"/>
         </a:solidFill>
@@ -71,8 +71,8 @@
         <a:cs typeface="+mn-cs"/>
       </a:defRPr>
     </a:lvl5pPr>
-    <a:lvl6pPr algn="l" defTabSz="457200" eaLnBrk="1" hangingPunct="1" latinLnBrk="0" marL="2286000" rtl="0">
-      <a:defRPr kern="1200" sz="1800">
+    <a:lvl6pPr marL="2286000" algn="l" defTabSz="457200" rtl="0" eaLnBrk="1" latinLnBrk="0" hangingPunct="1">
+      <a:defRPr sz="1800" kern="1200">
         <a:solidFill>
           <a:schemeClr val="tx1"/>
         </a:solidFill>
@@ -81,8 +81,8 @@
         <a:cs typeface="+mn-cs"/>
       </a:defRPr>
     </a:lvl6pPr>
-    <a:lvl7pPr algn="l" defTabSz="457200" eaLnBrk="1" hangingPunct="1" latinLnBrk="0" marL="2743200" rtl="0">
-      <a:defRPr kern="1200" sz="1800">
+    <a:lvl7pPr marL="2743200" algn="l" defTabSz="457200" rtl="0" eaLnBrk="1" latinLnBrk="0" hangingPunct="1">
+      <a:defRPr sz="1800" kern="1200">
         <a:solidFill>
           <a:schemeClr val="tx1"/>
         </a:solidFill>
@@ -91,8 +91,8 @@
         <a:cs typeface="+mn-cs"/>
       </a:defRPr>
     </a:lvl7pPr>
-    <a:lvl8pPr algn="l" defTabSz="457200" eaLnBrk="1" hangingPunct="1" latinLnBrk="0" marL="3200400" rtl="0">
-      <a:defRPr kern="1200" sz="1800">
+    <a:lvl8pPr marL="3200400" algn="l" defTabSz="457200" rtl="0" eaLnBrk="1" latinLnBrk="0" hangingPunct="1">
+      <a:defRPr sz="1800" kern="1200">
         <a:solidFill>
           <a:schemeClr val="tx1"/>
         </a:solidFill>
@@ -101,8 +101,8 @@
         <a:cs typeface="+mn-cs"/>
       </a:defRPr>
     </a:lvl8pPr>
-    <a:lvl9pPr algn="l" defTabSz="457200" eaLnBrk="1" hangingPunct="1" latinLnBrk="0" marL="3657600" rtl="0">
-      <a:defRPr kern="1200" sz="1800">
+    <a:lvl9pPr marL="3657600" algn="l" defTabSz="457200" rtl="0" eaLnBrk="1" latinLnBrk="0" hangingPunct="1">
+      <a:defRPr sz="1800" kern="1200">
         <a:solidFill>
           <a:schemeClr val="tx1"/>
         </a:solidFill>
@@ -524,324 +524,11 @@
           <a:bodyPr/>
           <a:lstStyle/>
           <a:p>
-            <a:pPr lvl="0" marL="0" indent="0">
+            <a:pPr marL="0" lvl="0" indent="0">
               <a:buNone/>
             </a:pPr>
             <a:r>
-              <a:rPr/>
-              <a:t>Not</a:t>
-            </a:r>
-            <a:r>
-              <a:rPr/>
-              <a:t> </a:t>
-            </a:r>
-            <a:r>
-              <a:rPr/>
-              <a:t>included</a:t>
-            </a:r>
-            <a:r>
-              <a:rPr/>
-              <a:t> </a:t>
-            </a:r>
-            <a:r>
-              <a:rPr/>
-              <a:t>here</a:t>
-            </a:r>
-            <a:r>
-              <a:rPr/>
-              <a:t> </a:t>
-            </a:r>
-            <a:r>
-              <a:rPr/>
-              <a:t>are</a:t>
-            </a:r>
-            <a:r>
-              <a:rPr/>
-              <a:t> </a:t>
-            </a:r>
-            <a:r>
-              <a:rPr/>
-              <a:t>college</a:t>
-            </a:r>
-            <a:r>
-              <a:rPr/>
-              <a:t> </a:t>
-            </a:r>
-            <a:r>
-              <a:rPr/>
-              <a:t>jobs</a:t>
-            </a:r>
-            <a:r>
-              <a:rPr/>
-              <a:t> </a:t>
-            </a:r>
-            <a:r>
-              <a:rPr/>
-              <a:t>that</a:t>
-            </a:r>
-            <a:r>
-              <a:rPr/>
-              <a:t> </a:t>
-            </a:r>
-            <a:r>
-              <a:rPr/>
-              <a:t>would</a:t>
-            </a:r>
-            <a:r>
-              <a:rPr/>
-              <a:t> </a:t>
-            </a:r>
-            <a:r>
-              <a:rPr/>
-              <a:t>not</a:t>
-            </a:r>
-            <a:r>
-              <a:rPr/>
-              <a:t> </a:t>
-            </a:r>
-            <a:r>
-              <a:rPr/>
-              <a:t>qualify.</a:t>
-            </a:r>
-            <a:r>
-              <a:rPr/>
-              <a:t> </a:t>
-            </a:r>
-            <a:r>
-              <a:rPr/>
-              <a:t>For</a:t>
-            </a:r>
-            <a:r>
-              <a:rPr/>
-              <a:t> </a:t>
-            </a:r>
-            <a:r>
-              <a:rPr/>
-              <a:t>example,</a:t>
-            </a:r>
-            <a:r>
-              <a:rPr/>
-              <a:t> </a:t>
-            </a:r>
-            <a:r>
-              <a:rPr/>
-              <a:t>working</a:t>
-            </a:r>
-            <a:r>
-              <a:rPr/>
-              <a:t> </a:t>
-            </a:r>
-            <a:r>
-              <a:rPr/>
-              <a:t>at</a:t>
-            </a:r>
-            <a:r>
-              <a:rPr/>
-              <a:t> </a:t>
-            </a:r>
-            <a:r>
-              <a:rPr/>
-              <a:t>as</a:t>
-            </a:r>
-            <a:r>
-              <a:rPr/>
-              <a:t> </a:t>
-            </a:r>
-            <a:r>
-              <a:rPr/>
-              <a:t>a</a:t>
-            </a:r>
-            <a:r>
-              <a:rPr/>
-              <a:t> </a:t>
-            </a:r>
-            <a:r>
-              <a:rPr/>
-              <a:t>package</a:t>
-            </a:r>
-            <a:r>
-              <a:rPr/>
-              <a:t> </a:t>
-            </a:r>
-            <a:r>
-              <a:rPr/>
-              <a:t>loader</a:t>
-            </a:r>
-            <a:r>
-              <a:rPr/>
-              <a:t> </a:t>
-            </a:r>
-            <a:r>
-              <a:rPr/>
-              <a:t>motivated</a:t>
-            </a:r>
-            <a:r>
-              <a:rPr/>
-              <a:t> </a:t>
-            </a:r>
-            <a:r>
-              <a:rPr/>
-              <a:t>me</a:t>
-            </a:r>
-            <a:r>
-              <a:rPr/>
-              <a:t> </a:t>
-            </a:r>
-            <a:r>
-              <a:rPr/>
-              <a:t>to</a:t>
-            </a:r>
-            <a:r>
-              <a:rPr/>
-              <a:t> </a:t>
-            </a:r>
-            <a:r>
-              <a:rPr/>
-              <a:t>not</a:t>
-            </a:r>
-            <a:r>
-              <a:rPr/>
-              <a:t> </a:t>
-            </a:r>
-            <a:r>
-              <a:rPr/>
-              <a:t>want</a:t>
-            </a:r>
-            <a:r>
-              <a:rPr/>
-              <a:t> </a:t>
-            </a:r>
-            <a:r>
-              <a:rPr/>
-              <a:t>to</a:t>
-            </a:r>
-            <a:r>
-              <a:rPr/>
-              <a:t> </a:t>
-            </a:r>
-            <a:r>
-              <a:rPr/>
-              <a:t>do</a:t>
-            </a:r>
-            <a:r>
-              <a:rPr/>
-              <a:t> </a:t>
-            </a:r>
-            <a:r>
-              <a:rPr/>
-              <a:t>that</a:t>
-            </a:r>
-            <a:r>
-              <a:rPr/>
-              <a:t> </a:t>
-            </a:r>
-            <a:r>
-              <a:rPr/>
-              <a:t>as</a:t>
-            </a:r>
-            <a:r>
-              <a:rPr/>
-              <a:t> </a:t>
-            </a:r>
-            <a:r>
-              <a:rPr/>
-              <a:t>a</a:t>
-            </a:r>
-            <a:r>
-              <a:rPr/>
-              <a:t> </a:t>
-            </a:r>
-            <a:r>
-              <a:rPr/>
-              <a:t>career.</a:t>
-            </a:r>
-            <a:r>
-              <a:rPr/>
-              <a:t> </a:t>
-            </a:r>
-            <a:r>
-              <a:rPr/>
-              <a:t>The</a:t>
-            </a:r>
-            <a:r>
-              <a:rPr/>
-              <a:t> </a:t>
-            </a:r>
-            <a:r>
-              <a:rPr/>
-              <a:t>same</a:t>
-            </a:r>
-            <a:r>
-              <a:rPr/>
-              <a:t> </a:t>
-            </a:r>
-            <a:r>
-              <a:rPr/>
-              <a:t>goes</a:t>
-            </a:r>
-            <a:r>
-              <a:rPr/>
-              <a:t> </a:t>
-            </a:r>
-            <a:r>
-              <a:rPr/>
-              <a:t>for</a:t>
-            </a:r>
-            <a:r>
-              <a:rPr/>
-              <a:t> </a:t>
-            </a:r>
-            <a:r>
-              <a:rPr/>
-              <a:t>summer</a:t>
-            </a:r>
-            <a:r>
-              <a:rPr/>
-              <a:t> </a:t>
-            </a:r>
-            <a:r>
-              <a:rPr/>
-              <a:t>helping</a:t>
-            </a:r>
-            <a:r>
-              <a:rPr/>
-              <a:t> </a:t>
-            </a:r>
-            <a:r>
-              <a:rPr/>
-              <a:t>family</a:t>
-            </a:r>
-            <a:r>
-              <a:rPr/>
-              <a:t> </a:t>
-            </a:r>
-            <a:r>
-              <a:rPr/>
-              <a:t>with</a:t>
-            </a:r>
-            <a:r>
-              <a:rPr/>
-              <a:t> </a:t>
-            </a:r>
-            <a:r>
-              <a:rPr/>
-              <a:t>home</a:t>
-            </a:r>
-            <a:r>
-              <a:rPr/>
-              <a:t> </a:t>
-            </a:r>
-            <a:r>
-              <a:rPr/>
-              <a:t>construction</a:t>
-            </a:r>
-            <a:r>
-              <a:rPr/>
-              <a:t> </a:t>
-            </a:r>
-            <a:r>
-              <a:rPr/>
-              <a:t>projects.</a:t>
+              <a:t>Not included here are college jobs that would not qualify. For example, working at as a package loader motivated me to not want to do that as a career. The same goes for summer helping family with home construction projects.</a:t>
             </a:r>
           </a:p>
         </p:txBody>
@@ -871,6 +558,115 @@
       </p:sp>
     </p:spTree>
   </p:cSld>
+  <p:clrMapOvr>
+    <a:masterClrMapping/>
+  </p:clrMapOvr>
+</p:notes>
+</file>
+
+<file path=ppt/notesSlides/notesSlide2.xml><?xml version="1.0" encoding="utf-8"?>
+<p:notes xmlns:a="http://schemas.openxmlformats.org/drawingml/2006/main" xmlns:r="http://schemas.openxmlformats.org/officeDocument/2006/relationships" xmlns:p="http://schemas.openxmlformats.org/presentationml/2006/main">
+  <p:cSld>
+    <p:spTree>
+      <p:nvGrpSpPr>
+        <p:cNvPr id="1" name=""/>
+        <p:cNvGrpSpPr/>
+        <p:nvPr/>
+      </p:nvGrpSpPr>
+      <p:grpSpPr>
+        <a:xfrm>
+          <a:off x="0" y="0"/>
+          <a:ext cx="0" cy="0"/>
+          <a:chOff x="0" y="0"/>
+          <a:chExt cx="0" cy="0"/>
+        </a:xfrm>
+      </p:grpSpPr>
+      <p:sp>
+        <p:nvSpPr>
+          <p:cNvPr id="2" name="Slide Image Placeholder 1"/>
+          <p:cNvSpPr>
+            <a:spLocks noGrp="1" noRot="1" noChangeAspect="1"/>
+          </p:cNvSpPr>
+          <p:nvPr>
+            <p:ph type="sldImg"/>
+          </p:nvPr>
+        </p:nvSpPr>
+        <p:spPr/>
+      </p:sp>
+      <p:sp>
+        <p:nvSpPr>
+          <p:cNvPr id="3" name="Notes Placeholder 2"/>
+          <p:cNvSpPr>
+            <a:spLocks noGrp="1"/>
+          </p:cNvSpPr>
+          <p:nvPr>
+            <p:ph type="body" idx="1"/>
+          </p:nvPr>
+        </p:nvSpPr>
+        <p:spPr/>
+        <p:txBody>
+          <a:bodyPr/>
+          <a:lstStyle/>
+          <a:p>
+            <a:pPr lvl="1"/>
+            <a:r>
+              <a:t>Motivation: Helping people in need and getting other people to help. Different than most traditional non profits.</a:t>
+            </a:r>
+          </a:p>
+          <a:p>
+            <a:pPr marL="0" lvl="0" indent="0">
+              <a:buNone/>
+            </a:pPr>
+            <a:endParaRPr/>
+          </a:p>
+          <a:p>
+            <a:pPr lvl="1"/>
+            <a:r>
+              <a:t>Ability: Creating digital artifacts to get more people involved in helping people.</a:t>
+            </a:r>
+          </a:p>
+          <a:p>
+            <a:pPr marL="0" lvl="0" indent="0">
+              <a:buNone/>
+            </a:pPr>
+            <a:endParaRPr/>
+          </a:p>
+          <a:p>
+            <a:pPr lvl="1"/>
+            <a:r>
+              <a:t>Learnings: How to work hard (Ability). Aligned to the mission (Motivation). Leadership and confidence (Motivation)</a:t>
+            </a:r>
+          </a:p>
+        </p:txBody>
+      </p:sp>
+      <p:sp>
+        <p:nvSpPr>
+          <p:cNvPr id="4" name="Slide Number Placeholder 3"/>
+          <p:cNvSpPr>
+            <a:spLocks noGrp="1"/>
+          </p:cNvSpPr>
+          <p:nvPr>
+            <p:ph type="sldNum" sz="quarter" idx="10"/>
+          </p:nvPr>
+        </p:nvSpPr>
+        <p:spPr/>
+        <p:txBody>
+          <a:bodyPr/>
+          <a:lstStyle/>
+          <a:p>
+            <a:fld id="{18BDFEC3-8487-43E8-A154-7C12CBC1FFF2}" type="slidenum">
+              <a:rPr lang="en-US"/>
+              <a:t>4</a:t>
+            </a:fld>
+            <a:endParaRPr lang="en-US"/>
+          </a:p>
+        </p:txBody>
+      </p:sp>
+    </p:spTree>
+  </p:cSld>
+  <p:clrMapOvr>
+    <a:masterClrMapping/>
+  </p:clrMapOvr>
 </p:notes>
 </file>
 
@@ -3317,7 +3113,7 @@
 </file>
 
 <file path=ppt/slideMasters/slideMaster1.xml><?xml version="1.0" encoding="utf-8"?>
-<p:sldMaster xmlns:a="http://schemas.openxmlformats.org/drawingml/2006/main" xmlns:p="http://schemas.openxmlformats.org/presentationml/2006/main" xmlns:r="http://schemas.openxmlformats.org/officeDocument/2006/relationships">
+<p:sldMaster xmlns:a="http://schemas.openxmlformats.org/drawingml/2006/main" xmlns:r="http://schemas.openxmlformats.org/officeDocument/2006/relationships" xmlns:p="http://schemas.openxmlformats.org/presentationml/2006/main">
   <p:cSld>
     <p:bg>
       <p:bgRef idx="1001">
@@ -3358,13 +3154,13 @@
           </a:prstGeom>
         </p:spPr>
         <p:txBody>
-          <a:bodyPr anchor="ctr" bIns="45720" lIns="91440" rIns="91440" rtlCol="0" tIns="45720" vert="horz">
+          <a:bodyPr vert="horz" lIns="91440" tIns="45720" rIns="91440" bIns="45720" rtlCol="0" anchor="ctr">
             <a:normAutofit/>
           </a:bodyPr>
           <a:lstStyle/>
           <a:p>
             <a:r>
-              <a:rPr dirty="0" lang="en-US"/>
+              <a:rPr lang="en-US" dirty="0"/>
               <a:t>Click to edit Master title style</a:t>
             </a:r>
           </a:p>
@@ -3377,7 +3173,7 @@
             <a:spLocks noGrp="1"/>
           </p:cNvSpPr>
           <p:nvPr>
-            <p:ph idx="1" type="body"/>
+            <p:ph type="body" idx="1"/>
           </p:nvPr>
         </p:nvSpPr>
         <p:spPr>
@@ -3390,7 +3186,7 @@
           </a:prstGeom>
         </p:spPr>
         <p:txBody>
-          <a:bodyPr bIns="45720" lIns="91440" rIns="91440" rtlCol="0" tIns="45720" vert="horz">
+          <a:bodyPr vert="horz" lIns="91440" tIns="45720" rIns="91440" bIns="45720" rtlCol="0">
             <a:normAutofit/>
           </a:bodyPr>
           <a:lstStyle/>
@@ -3438,7 +3234,7 @@
             <a:spLocks noGrp="1"/>
           </p:cNvSpPr>
           <p:nvPr>
-            <p:ph idx="2" sz="half" type="dt"/>
+            <p:ph type="dt" sz="half" idx="2"/>
           </p:nvPr>
         </p:nvSpPr>
         <p:spPr>
@@ -3451,7 +3247,7 @@
           </a:prstGeom>
         </p:spPr>
         <p:txBody>
-          <a:bodyPr anchor="ctr" bIns="45720" lIns="91440" rIns="91440" rtlCol="0" tIns="45720" vert="horz"/>
+          <a:bodyPr vert="horz" lIns="91440" tIns="45720" rIns="91440" bIns="45720" rtlCol="0" anchor="ctr"/>
           <a:lstStyle>
             <a:lvl1pPr algn="l">
               <a:defRPr sz="1200">
@@ -3479,7 +3275,7 @@
             <a:spLocks noGrp="1"/>
           </p:cNvSpPr>
           <p:nvPr>
-            <p:ph idx="3" sz="quarter" type="ftr"/>
+            <p:ph type="ftr" sz="quarter" idx="3"/>
           </p:nvPr>
         </p:nvSpPr>
         <p:spPr>
@@ -3492,7 +3288,7 @@
           </a:prstGeom>
         </p:spPr>
         <p:txBody>
-          <a:bodyPr anchor="ctr" bIns="45720" lIns="91440" rIns="91440" rtlCol="0" tIns="45720" vert="horz"/>
+          <a:bodyPr vert="horz" lIns="91440" tIns="45720" rIns="91440" bIns="45720" rtlCol="0" anchor="ctr"/>
           <a:lstStyle>
             <a:lvl1pPr algn="ctr">
               <a:defRPr sz="1200">
@@ -3516,7 +3312,7 @@
             <a:spLocks noGrp="1"/>
           </p:cNvSpPr>
           <p:nvPr>
-            <p:ph idx="4" sz="quarter" type="sldNum"/>
+            <p:ph type="sldNum" sz="quarter" idx="4"/>
           </p:nvPr>
         </p:nvSpPr>
         <p:spPr>
@@ -3529,7 +3325,7 @@
           </a:prstGeom>
         </p:spPr>
         <p:txBody>
-          <a:bodyPr anchor="ctr" bIns="45720" lIns="91440" rIns="91440" rtlCol="0" tIns="45720" vert="horz"/>
+          <a:bodyPr vert="horz" lIns="91440" tIns="45720" rIns="91440" bIns="45720" rtlCol="0" anchor="ctr"/>
           <a:lstStyle>
             <a:lvl1pPr algn="r">
               <a:defRPr sz="1200">
@@ -3557,7 +3353,7 @@
       </p:ext>
     </p:extLst>
   </p:cSld>
-  <p:clrMap accent1="accent1" accent2="accent2" accent3="accent3" accent4="accent4" accent5="accent5" accent6="accent6" bg1="lt1" bg2="lt2" folHlink="folHlink" hlink="hlink" tx1="dk1" tx2="dk2"/>
+  <p:clrMap bg1="lt1" tx1="dk1" bg2="lt2" tx2="dk2" accent1="accent1" accent2="accent2" accent3="accent3" accent4="accent4" accent5="accent5" accent6="accent6" hlink="hlink" folHlink="folHlink"/>
   <p:sldLayoutIdLst>
     <p:sldLayoutId id="2147483649" r:id="rId1"/>
     <p:sldLayoutId id="2147483650" r:id="rId2"/>
@@ -3573,12 +3369,12 @@
   </p:sldLayoutIdLst>
   <p:txStyles>
     <p:titleStyle>
-      <a:lvl1pPr algn="ctr" defTabSz="457200" eaLnBrk="1" hangingPunct="1" latinLnBrk="0" rtl="0">
+      <a:lvl1pPr algn="ctr" defTabSz="457200" rtl="0" eaLnBrk="1" latinLnBrk="0" hangingPunct="1">
         <a:spcBef>
           <a:spcPct val="0"/>
         </a:spcBef>
         <a:buNone/>
-        <a:defRPr kern="1200" sz="4400">
+        <a:defRPr sz="4400" kern="1200">
           <a:solidFill>
             <a:srgbClr val="002060"/>
           </a:solidFill>
@@ -3589,13 +3385,13 @@
       </a:lvl1pPr>
     </p:titleStyle>
     <p:bodyStyle>
-      <a:lvl1pPr algn="l" defTabSz="457200" eaLnBrk="1" hangingPunct="1" indent="-342900" latinLnBrk="0" marL="342900" rtl="0">
+      <a:lvl1pPr marL="342900" indent="-342900" algn="l" defTabSz="457200" rtl="0" eaLnBrk="1" latinLnBrk="0" hangingPunct="1">
         <a:spcBef>
           <a:spcPct val="20000"/>
         </a:spcBef>
         <a:buFont typeface="Arial"/>
         <a:buChar char="•"/>
-        <a:defRPr kern="1200" sz="3200">
+        <a:defRPr sz="3200" kern="1200">
           <a:solidFill>
             <a:schemeClr val="tx1"/>
           </a:solidFill>
@@ -3604,13 +3400,13 @@
           <a:cs typeface="+mn-cs"/>
         </a:defRPr>
       </a:lvl1pPr>
-      <a:lvl2pPr algn="l" defTabSz="457200" eaLnBrk="1" hangingPunct="1" indent="-285750" latinLnBrk="0" marL="742950" rtl="0">
+      <a:lvl2pPr marL="742950" indent="-285750" algn="l" defTabSz="457200" rtl="0" eaLnBrk="1" latinLnBrk="0" hangingPunct="1">
         <a:spcBef>
           <a:spcPct val="20000"/>
         </a:spcBef>
         <a:buFont typeface="Arial"/>
         <a:buChar char="–"/>
-        <a:defRPr kern="1200" sz="2800">
+        <a:defRPr sz="2800" kern="1200">
           <a:solidFill>
             <a:schemeClr val="tx1"/>
           </a:solidFill>
@@ -3619,13 +3415,13 @@
           <a:cs typeface="+mn-cs"/>
         </a:defRPr>
       </a:lvl2pPr>
-      <a:lvl3pPr algn="l" defTabSz="457200" eaLnBrk="1" hangingPunct="1" indent="-228600" latinLnBrk="0" marL="1143000" rtl="0">
+      <a:lvl3pPr marL="1143000" indent="-228600" algn="l" defTabSz="457200" rtl="0" eaLnBrk="1" latinLnBrk="0" hangingPunct="1">
         <a:spcBef>
           <a:spcPct val="20000"/>
         </a:spcBef>
         <a:buFont typeface="Arial"/>
         <a:buChar char="•"/>
-        <a:defRPr kern="1200" sz="2400">
+        <a:defRPr sz="2400" kern="1200">
           <a:solidFill>
             <a:schemeClr val="tx1"/>
           </a:solidFill>
@@ -3634,13 +3430,13 @@
           <a:cs typeface="+mn-cs"/>
         </a:defRPr>
       </a:lvl3pPr>
-      <a:lvl4pPr algn="l" defTabSz="457200" eaLnBrk="1" hangingPunct="1" indent="-228600" latinLnBrk="0" marL="1600200" rtl="0">
+      <a:lvl4pPr marL="1600200" indent="-228600" algn="l" defTabSz="457200" rtl="0" eaLnBrk="1" latinLnBrk="0" hangingPunct="1">
         <a:spcBef>
           <a:spcPct val="20000"/>
         </a:spcBef>
         <a:buFont typeface="Arial"/>
         <a:buChar char="–"/>
-        <a:defRPr kern="1200" sz="2000">
+        <a:defRPr sz="2000" kern="1200">
           <a:solidFill>
             <a:schemeClr val="tx1"/>
           </a:solidFill>
@@ -3649,13 +3445,13 @@
           <a:cs typeface="+mn-cs"/>
         </a:defRPr>
       </a:lvl4pPr>
-      <a:lvl5pPr algn="l" defTabSz="457200" eaLnBrk="1" hangingPunct="1" indent="-228600" latinLnBrk="0" marL="2057400" rtl="0">
+      <a:lvl5pPr marL="2057400" indent="-228600" algn="l" defTabSz="457200" rtl="0" eaLnBrk="1" latinLnBrk="0" hangingPunct="1">
         <a:spcBef>
           <a:spcPct val="20000"/>
         </a:spcBef>
         <a:buFont typeface="Arial"/>
         <a:buChar char="»"/>
-        <a:defRPr kern="1200" sz="2000">
+        <a:defRPr sz="2000" kern="1200">
           <a:solidFill>
             <a:schemeClr val="tx1"/>
           </a:solidFill>
@@ -3664,13 +3460,13 @@
           <a:cs typeface="+mn-cs"/>
         </a:defRPr>
       </a:lvl5pPr>
-      <a:lvl6pPr algn="l" defTabSz="457200" eaLnBrk="1" hangingPunct="1" indent="-228600" latinLnBrk="0" marL="2514600" rtl="0">
+      <a:lvl6pPr marL="2514600" indent="-228600" algn="l" defTabSz="457200" rtl="0" eaLnBrk="1" latinLnBrk="0" hangingPunct="1">
         <a:spcBef>
           <a:spcPct val="20000"/>
         </a:spcBef>
         <a:buFont typeface="Arial"/>
         <a:buChar char="•"/>
-        <a:defRPr kern="1200" sz="2000">
+        <a:defRPr sz="2000" kern="1200">
           <a:solidFill>
             <a:schemeClr val="tx1"/>
           </a:solidFill>
@@ -3679,13 +3475,13 @@
           <a:cs typeface="+mn-cs"/>
         </a:defRPr>
       </a:lvl6pPr>
-      <a:lvl7pPr algn="l" defTabSz="457200" eaLnBrk="1" hangingPunct="1" indent="-228600" latinLnBrk="0" marL="2971800" rtl="0">
+      <a:lvl7pPr marL="2971800" indent="-228600" algn="l" defTabSz="457200" rtl="0" eaLnBrk="1" latinLnBrk="0" hangingPunct="1">
         <a:spcBef>
           <a:spcPct val="20000"/>
         </a:spcBef>
         <a:buFont typeface="Arial"/>
         <a:buChar char="•"/>
-        <a:defRPr kern="1200" sz="2000">
+        <a:defRPr sz="2000" kern="1200">
           <a:solidFill>
             <a:schemeClr val="tx1"/>
           </a:solidFill>
@@ -3694,13 +3490,13 @@
           <a:cs typeface="+mn-cs"/>
         </a:defRPr>
       </a:lvl7pPr>
-      <a:lvl8pPr algn="l" defTabSz="457200" eaLnBrk="1" hangingPunct="1" indent="-228600" latinLnBrk="0" marL="3429000" rtl="0">
+      <a:lvl8pPr marL="3429000" indent="-228600" algn="l" defTabSz="457200" rtl="0" eaLnBrk="1" latinLnBrk="0" hangingPunct="1">
         <a:spcBef>
           <a:spcPct val="20000"/>
         </a:spcBef>
         <a:buFont typeface="Arial"/>
         <a:buChar char="•"/>
-        <a:defRPr kern="1200" sz="2000">
+        <a:defRPr sz="2000" kern="1200">
           <a:solidFill>
             <a:schemeClr val="tx1"/>
           </a:solidFill>
@@ -3709,13 +3505,13 @@
           <a:cs typeface="+mn-cs"/>
         </a:defRPr>
       </a:lvl8pPr>
-      <a:lvl9pPr algn="l" defTabSz="457200" eaLnBrk="1" hangingPunct="1" indent="-228600" latinLnBrk="0" marL="3886200" rtl="0">
+      <a:lvl9pPr marL="3886200" indent="-228600" algn="l" defTabSz="457200" rtl="0" eaLnBrk="1" latinLnBrk="0" hangingPunct="1">
         <a:spcBef>
           <a:spcPct val="20000"/>
         </a:spcBef>
         <a:buFont typeface="Arial"/>
         <a:buChar char="•"/>
-        <a:defRPr kern="1200" sz="2000">
+        <a:defRPr sz="2000" kern="1200">
           <a:solidFill>
             <a:schemeClr val="tx1"/>
           </a:solidFill>
@@ -3729,8 +3525,8 @@
       <a:defPPr>
         <a:defRPr lang="en-US"/>
       </a:defPPr>
-      <a:lvl1pPr algn="l" defTabSz="457200" eaLnBrk="1" hangingPunct="1" latinLnBrk="0" marL="0" rtl="0">
-        <a:defRPr kern="1200" sz="1800">
+      <a:lvl1pPr marL="0" algn="l" defTabSz="457200" rtl="0" eaLnBrk="1" latinLnBrk="0" hangingPunct="1">
+        <a:defRPr sz="1800" kern="1200">
           <a:solidFill>
             <a:schemeClr val="tx1"/>
           </a:solidFill>
@@ -3739,8 +3535,8 @@
           <a:cs typeface="+mn-cs"/>
         </a:defRPr>
       </a:lvl1pPr>
-      <a:lvl2pPr algn="l" defTabSz="457200" eaLnBrk="1" hangingPunct="1" latinLnBrk="0" marL="457200" rtl="0">
-        <a:defRPr kern="1200" sz="1800">
+      <a:lvl2pPr marL="457200" algn="l" defTabSz="457200" rtl="0" eaLnBrk="1" latinLnBrk="0" hangingPunct="1">
+        <a:defRPr sz="1800" kern="1200">
           <a:solidFill>
             <a:schemeClr val="tx1"/>
           </a:solidFill>
@@ -3749,8 +3545,8 @@
           <a:cs typeface="+mn-cs"/>
         </a:defRPr>
       </a:lvl2pPr>
-      <a:lvl3pPr algn="l" defTabSz="457200" eaLnBrk="1" hangingPunct="1" latinLnBrk="0" marL="914400" rtl="0">
-        <a:defRPr kern="1200" sz="1800">
+      <a:lvl3pPr marL="914400" algn="l" defTabSz="457200" rtl="0" eaLnBrk="1" latinLnBrk="0" hangingPunct="1">
+        <a:defRPr sz="1800" kern="1200">
           <a:solidFill>
             <a:schemeClr val="tx1"/>
           </a:solidFill>
@@ -3759,8 +3555,8 @@
           <a:cs typeface="+mn-cs"/>
         </a:defRPr>
       </a:lvl3pPr>
-      <a:lvl4pPr algn="l" defTabSz="457200" eaLnBrk="1" hangingPunct="1" latinLnBrk="0" marL="1371600" rtl="0">
-        <a:defRPr kern="1200" sz="1800">
+      <a:lvl4pPr marL="1371600" algn="l" defTabSz="457200" rtl="0" eaLnBrk="1" latinLnBrk="0" hangingPunct="1">
+        <a:defRPr sz="1800" kern="1200">
           <a:solidFill>
             <a:schemeClr val="tx1"/>
           </a:solidFill>
@@ -3769,8 +3565,8 @@
           <a:cs typeface="+mn-cs"/>
         </a:defRPr>
       </a:lvl4pPr>
-      <a:lvl5pPr algn="l" defTabSz="457200" eaLnBrk="1" hangingPunct="1" latinLnBrk="0" marL="1828800" rtl="0">
-        <a:defRPr kern="1200" sz="1800">
+      <a:lvl5pPr marL="1828800" algn="l" defTabSz="457200" rtl="0" eaLnBrk="1" latinLnBrk="0" hangingPunct="1">
+        <a:defRPr sz="1800" kern="1200">
           <a:solidFill>
             <a:schemeClr val="tx1"/>
           </a:solidFill>
@@ -3779,8 +3575,8 @@
           <a:cs typeface="+mn-cs"/>
         </a:defRPr>
       </a:lvl5pPr>
-      <a:lvl6pPr algn="l" defTabSz="457200" eaLnBrk="1" hangingPunct="1" latinLnBrk="0" marL="2286000" rtl="0">
-        <a:defRPr kern="1200" sz="1800">
+      <a:lvl6pPr marL="2286000" algn="l" defTabSz="457200" rtl="0" eaLnBrk="1" latinLnBrk="0" hangingPunct="1">
+        <a:defRPr sz="1800" kern="1200">
           <a:solidFill>
             <a:schemeClr val="tx1"/>
           </a:solidFill>
@@ -3789,8 +3585,8 @@
           <a:cs typeface="+mn-cs"/>
         </a:defRPr>
       </a:lvl6pPr>
-      <a:lvl7pPr algn="l" defTabSz="457200" eaLnBrk="1" hangingPunct="1" latinLnBrk="0" marL="2743200" rtl="0">
-        <a:defRPr kern="1200" sz="1800">
+      <a:lvl7pPr marL="2743200" algn="l" defTabSz="457200" rtl="0" eaLnBrk="1" latinLnBrk="0" hangingPunct="1">
+        <a:defRPr sz="1800" kern="1200">
           <a:solidFill>
             <a:schemeClr val="tx1"/>
           </a:solidFill>
@@ -3799,8 +3595,8 @@
           <a:cs typeface="+mn-cs"/>
         </a:defRPr>
       </a:lvl7pPr>
-      <a:lvl8pPr algn="l" defTabSz="457200" eaLnBrk="1" hangingPunct="1" latinLnBrk="0" marL="3200400" rtl="0">
-        <a:defRPr kern="1200" sz="1800">
+      <a:lvl8pPr marL="3200400" algn="l" defTabSz="457200" rtl="0" eaLnBrk="1" latinLnBrk="0" hangingPunct="1">
+        <a:defRPr sz="1800" kern="1200">
           <a:solidFill>
             <a:schemeClr val="tx1"/>
           </a:solidFill>
@@ -3809,8 +3605,8 @@
           <a:cs typeface="+mn-cs"/>
         </a:defRPr>
       </a:lvl8pPr>
-      <a:lvl9pPr algn="l" defTabSz="457200" eaLnBrk="1" hangingPunct="1" latinLnBrk="0" marL="3657600" rtl="0">
-        <a:defRPr kern="1200" sz="1800">
+      <a:lvl9pPr marL="3657600" algn="l" defTabSz="457200" rtl="0" eaLnBrk="1" latinLnBrk="0" hangingPunct="1">
+        <a:defRPr sz="1800" kern="1200">
           <a:solidFill>
             <a:schemeClr val="tx1"/>
           </a:solidFill>
@@ -3861,20 +3657,11 @@
           <a:bodyPr/>
           <a:lstStyle/>
           <a:p>
-            <a:pPr lvl="0" marL="0" indent="0">
+            <a:pPr marL="0" lvl="0" indent="0">
               <a:buNone/>
             </a:pPr>
             <a:r>
-              <a:rPr/>
-              <a:t>Personal</a:t>
-            </a:r>
-            <a:r>
-              <a:rPr/>
-              <a:t> </a:t>
-            </a:r>
-            <a:r>
-              <a:rPr/>
-              <a:t>Journey</a:t>
+              <a:t>Personal Journey</a:t>
             </a:r>
           </a:p>
         </p:txBody>
@@ -3886,7 +3673,7 @@
             <a:spLocks noGrp="1"/>
           </p:cNvSpPr>
           <p:nvPr>
-            <p:ph idx="1" type="subTitle"/>
+            <p:ph type="subTitle" idx="1"/>
           </p:nvPr>
         </p:nvSpPr>
         <p:spPr>
@@ -3899,30 +3686,13 @@
           <a:bodyPr/>
           <a:lstStyle/>
           <a:p>
-            <a:pPr lvl="0" marL="0" indent="0">
+            <a:pPr marL="0" lvl="0" indent="0">
               <a:buNone/>
             </a:pPr>
             <a:br/>
             <a:br/>
             <a:r>
-              <a:rPr/>
-              <a:t>Chéyo</a:t>
-            </a:r>
-            <a:r>
-              <a:rPr/>
-              <a:t> </a:t>
-            </a:r>
-            <a:r>
-              <a:rPr/>
-              <a:t>Jiménez,</a:t>
-            </a:r>
-            <a:r>
-              <a:rPr/>
-              <a:t> </a:t>
-            </a:r>
-            <a:r>
-              <a:rPr/>
-              <a:t>MSE</a:t>
+              <a:t>Chéyo Jiménez, MSE</a:t>
             </a:r>
           </a:p>
         </p:txBody>
@@ -3934,19 +3704,18 @@
             <a:spLocks noGrp="1"/>
           </p:cNvSpPr>
           <p:nvPr>
-            <p:ph idx="10" sz="half" type="dt"/>
-          </p:nvPr>
-        </p:nvSpPr>
-        <p:spPr/>
-        <p:txBody>
-          <a:bodyPr/>
-          <a:lstStyle/>
-          <a:p>
-            <a:pPr lvl="0" marL="0" indent="0">
+            <p:ph type="dt" sz="half" idx="10"/>
+          </p:nvPr>
+        </p:nvSpPr>
+        <p:spPr/>
+        <p:txBody>
+          <a:bodyPr/>
+          <a:lstStyle/>
+          <a:p>
+            <a:pPr marL="0" lvl="0" indent="0">
               <a:buNone/>
             </a:pPr>
             <a:r>
-              <a:rPr/>
               <a:t>2021-11</a:t>
             </a:r>
           </a:p>
@@ -3954,6 +3723,9 @@
       </p:sp>
     </p:spTree>
   </p:cSld>
+  <p:clrMapOvr>
+    <a:masterClrMapping/>
+  </p:clrMapOvr>
 </p:sld>
 </file>
 
@@ -3989,44 +3761,11 @@
           <a:bodyPr/>
           <a:lstStyle/>
           <a:p>
-            <a:pPr lvl="0" marL="0" indent="0">
+            <a:pPr marL="0" lvl="0" indent="0">
               <a:buNone/>
             </a:pPr>
             <a:r>
-              <a:rPr/>
-              <a:t>~12</a:t>
-            </a:r>
-            <a:r>
-              <a:rPr/>
-              <a:t> </a:t>
-            </a:r>
-            <a:r>
-              <a:rPr/>
-              <a:t>years</a:t>
-            </a:r>
-            <a:r>
-              <a:rPr/>
-              <a:t> </a:t>
-            </a:r>
-            <a:r>
-              <a:rPr/>
-              <a:t>as</a:t>
-            </a:r>
-            <a:r>
-              <a:rPr/>
-              <a:t> </a:t>
-            </a:r>
-            <a:r>
-              <a:rPr/>
-              <a:t>of</a:t>
-            </a:r>
-            <a:r>
-              <a:rPr/>
-              <a:t> </a:t>
-            </a:r>
-            <a:r>
-              <a:rPr/>
-              <a:t>2021</a:t>
+              <a:t>~12 years as of 2021</a:t>
             </a:r>
           </a:p>
         </p:txBody>
@@ -4048,14 +3787,12 @@
           <a:p>
             <a:pPr lvl="1"/>
             <a:r>
-              <a:rPr/>
               <a:t>Young professional figuring how to get paid for doing what I love</a:t>
             </a:r>
           </a:p>
           <a:p>
             <a:pPr lvl="1"/>
             <a:r>
-              <a:rPr/>
               <a:t>Our professional life may take different paths but the journey is the same</a:t>
             </a:r>
           </a:p>
@@ -4063,6 +3800,9 @@
       </p:sp>
     </p:spTree>
   </p:cSld>
+  <p:clrMapOvr>
+    <a:masterClrMapping/>
+  </p:clrMapOvr>
 </p:sld>
 </file>
 
@@ -4085,7 +3825,7 @@
       </p:grpSpPr>
       <p:pic>
         <p:nvPicPr>
-          <p:cNvPr descr="../media/journey_cheyo.png" id="0" name="Picture 1"/>
+          <p:cNvPr id="2" name="Picture 1" descr="../media/journey_cheyo.png"/>
           <p:cNvPicPr>
             <a:picLocks noGrp="1" noChangeAspect="1"/>
           </p:cNvPicPr>
@@ -4115,6 +3855,9 @@
       </p:pic>
     </p:spTree>
   </p:cSld>
+  <p:clrMapOvr>
+    <a:masterClrMapping/>
+  </p:clrMapOvr>
 </p:sld>
 </file>
 
@@ -4150,79 +3893,50 @@
           <a:bodyPr/>
           <a:lstStyle/>
           <a:p>
-            <a:pPr lvl="0" marL="0" indent="0">
+            <a:pPr marL="0" lvl="0" indent="0">
               <a:buNone/>
             </a:pPr>
             <a:r>
-              <a:rPr/>
-              <a:t>Video</a:t>
-            </a:r>
-            <a:r>
-              <a:rPr/>
-              <a:t> </a:t>
-            </a:r>
-            <a:r>
-              <a:rPr/>
-              <a:t>Editor</a:t>
-            </a:r>
-            <a:r>
-              <a:rPr/>
-              <a:t> </a:t>
-            </a:r>
-            <a:r>
-              <a:rPr/>
-              <a:t>at</a:t>
-            </a:r>
-            <a:r>
-              <a:rPr/>
-              <a:t> </a:t>
-            </a:r>
-            <a:r>
-              <a:rPr/>
-              <a:t>NonProfit</a:t>
-            </a:r>
-          </a:p>
-        </p:txBody>
-      </p:sp>
-      <p:sp>
-        <p:nvSpPr>
-          <p:cNvPr id="3" name="Content Placeholder 2"/>
-          <p:cNvSpPr>
-            <a:spLocks noGrp="1"/>
-          </p:cNvSpPr>
-          <p:nvPr>
-            <p:ph idx="1"/>
-          </p:nvPr>
-        </p:nvSpPr>
-        <p:spPr/>
-        <p:txBody>
-          <a:bodyPr/>
-          <a:lstStyle/>
-          <a:p>
-            <a:pPr lvl="1"/>
-            <a:r>
-              <a:rPr/>
-              <a:t>Motivation: Helping people in need and getting other people to help. Different than most traditional non profits.</a:t>
-            </a:r>
-          </a:p>
-          <a:p>
-            <a:pPr lvl="1"/>
-            <a:r>
-              <a:rPr/>
-              <a:t>Ability: Creating digital artifacts to get more people involved in helping people.</a:t>
-            </a:r>
-          </a:p>
-          <a:p>
-            <a:pPr lvl="1"/>
-            <a:r>
-              <a:rPr/>
-              <a:t>Learnings: How to work hard (Ability). Aligned to the mission (Motivation). Leadership and confidence (Motivation)</a:t>
-            </a:r>
-          </a:p>
-        </p:txBody>
-      </p:sp>
+              <a:t>Video Editor at NonProfit</a:t>
+            </a:r>
+          </a:p>
+        </p:txBody>
+      </p:sp>
+      <p:pic>
+        <p:nvPicPr>
+          <p:cNvPr id="3" name="Picture 1" descr="../media/third_party\editing-g66024be12_1920.jpg"/>
+          <p:cNvPicPr>
+            <a:picLocks noGrp="1" noChangeAspect="1"/>
+          </p:cNvPicPr>
+          <p:nvPr/>
+        </p:nvPicPr>
+        <p:blipFill>
+          <a:blip r:embed="rId3"/>
+          <a:stretch>
+            <a:fillRect/>
+          </a:stretch>
+        </p:blipFill>
+        <p:spPr bwMode="auto">
+          <a:xfrm>
+            <a:off x="321972" y="1600200"/>
+            <a:ext cx="11552349" cy="4521200"/>
+          </a:xfrm>
+          <a:prstGeom prst="rect">
+            <a:avLst/>
+          </a:prstGeom>
+          <a:noFill/>
+          <a:ln w="9525">
+            <a:noFill/>
+            <a:headEnd/>
+            <a:tailEnd/>
+          </a:ln>
+        </p:spPr>
+      </p:pic>
     </p:spTree>
   </p:cSld>
+  <p:clrMapOvr>
+    <a:masterClrMapping/>
+  </p:clrMapOvr>
 </p:sld>
 </file>
 
@@ -4258,52 +3972,11 @@
           <a:bodyPr/>
           <a:lstStyle/>
           <a:p>
-            <a:pPr lvl="0" marL="0" indent="0">
+            <a:pPr marL="0" lvl="0" indent="0">
               <a:buNone/>
             </a:pPr>
             <a:r>
-              <a:rPr/>
-              <a:t>Project</a:t>
-            </a:r>
-            <a:r>
-              <a:rPr/>
-              <a:t> </a:t>
-            </a:r>
-            <a:r>
-              <a:rPr/>
-              <a:t>Manager</a:t>
-            </a:r>
-            <a:r>
-              <a:rPr/>
-              <a:t> </a:t>
-            </a:r>
-            <a:r>
-              <a:rPr/>
-              <a:t>at</a:t>
-            </a:r>
-            <a:r>
-              <a:rPr/>
-              <a:t> </a:t>
-            </a:r>
-            <a:r>
-              <a:rPr/>
-              <a:t>Portable</a:t>
-            </a:r>
-            <a:r>
-              <a:rPr/>
-              <a:t> </a:t>
-            </a:r>
-            <a:r>
-              <a:rPr/>
-              <a:t>Buildings</a:t>
-            </a:r>
-            <a:r>
-              <a:rPr/>
-              <a:t> </a:t>
-            </a:r>
-            <a:r>
-              <a:rPr/>
-              <a:t>Company</a:t>
+              <a:t>Project Manager at Portable Buildings Company</a:t>
             </a:r>
           </a:p>
         </p:txBody>
@@ -4325,21 +3998,18 @@
           <a:p>
             <a:pPr lvl="1"/>
             <a:r>
-              <a:rPr/>
               <a:t>Motivation: I was creating less and less digital content that I thought it might be better for me to switch career where they may be better pay.</a:t>
             </a:r>
           </a:p>
           <a:p>
             <a:pPr lvl="1"/>
             <a:r>
-              <a:rPr/>
               <a:t>Ability: Work hard. Leadership and confidence. Support sales people to sell more structures.</a:t>
             </a:r>
           </a:p>
           <a:p>
             <a:pPr lvl="1"/>
             <a:r>
-              <a:rPr/>
               <a:t>Learnings: International Travel is overrated. A company (where you work) should not be part of your identity. Money as a primary motivation did not work for me.</a:t>
             </a:r>
           </a:p>
@@ -4347,6 +4017,9 @@
       </p:sp>
     </p:spTree>
   </p:cSld>
+  <p:clrMapOvr>
+    <a:masterClrMapping/>
+  </p:clrMapOvr>
 </p:sld>
 </file>
 
@@ -4382,44 +4055,11 @@
           <a:bodyPr/>
           <a:lstStyle/>
           <a:p>
-            <a:pPr lvl="0" marL="0" indent="0">
+            <a:pPr marL="0" lvl="0" indent="0">
               <a:buNone/>
             </a:pPr>
             <a:r>
-              <a:rPr/>
-              <a:t>Software</a:t>
-            </a:r>
-            <a:r>
-              <a:rPr/>
-              <a:t> </a:t>
-            </a:r>
-            <a:r>
-              <a:rPr/>
-              <a:t>Engineer</a:t>
-            </a:r>
-            <a:r>
-              <a:rPr/>
-              <a:t> </a:t>
-            </a:r>
-            <a:r>
-              <a:rPr/>
-              <a:t>at</a:t>
-            </a:r>
-            <a:r>
-              <a:rPr/>
-              <a:t> </a:t>
-            </a:r>
-            <a:r>
-              <a:rPr/>
-              <a:t>Tech</a:t>
-            </a:r>
-            <a:r>
-              <a:rPr/>
-              <a:t> </a:t>
-            </a:r>
-            <a:r>
-              <a:rPr/>
-              <a:t>Company</a:t>
+              <a:t>Software Engineer at Tech Company</a:t>
             </a:r>
           </a:p>
         </p:txBody>
@@ -4441,21 +4081,18 @@
           <a:p>
             <a:pPr lvl="1"/>
             <a:r>
-              <a:rPr/>
               <a:t>Motivation: I love to code.</a:t>
             </a:r>
           </a:p>
           <a:p>
             <a:pPr lvl="1"/>
             <a:r>
-              <a:rPr/>
               <a:t>Ability: Create clarity from ambiguity. All previous abilities.</a:t>
             </a:r>
           </a:p>
           <a:p>
             <a:pPr lvl="1"/>
             <a:r>
-              <a:rPr/>
               <a:t>Learnings: More money doesn’t remove career angst. Constant Mastery &gt; arriving. Enjoy the journey &gt; getting to a destination.</a:t>
             </a:r>
           </a:p>
@@ -4463,6 +4100,9 @@
       </p:sp>
     </p:spTree>
   </p:cSld>
+  <p:clrMapOvr>
+    <a:masterClrMapping/>
+  </p:clrMapOvr>
 </p:sld>
 </file>
 
